--- a/Sass.pptx
+++ b/Sass.pptx
@@ -6,6 +6,10 @@
   </p:sldMasterIdLst>
   <p:sldIdLst>
     <p:sldId id="256" r:id="rId2"/>
+    <p:sldId id="257" r:id="rId3"/>
+    <p:sldId id="258" r:id="rId4"/>
+    <p:sldId id="259" r:id="rId5"/>
+    <p:sldId id="260" r:id="rId6"/>
   </p:sldIdLst>
   <p:sldSz cx="12192000" cy="6858000"/>
   <p:notesSz cx="6858000" cy="9144000"/>
@@ -104,6 +108,11 @@
       </a:defRPr>
     </a:lvl9pPr>
   </p:defaultTextStyle>
+  <p:extLst>
+    <p:ext uri="{EFAFB233-063F-42B5-8137-9DF3F51BA10A}">
+      <p15:sldGuideLst xmlns:p15="http://schemas.microsoft.com/office/powerpoint/2012/main"/>
+    </p:ext>
+  </p:extLst>
 </p:presentation>
 </file>
 
@@ -238,7 +247,7 @@
           <a:p>
             <a:fld id="{4AFC3576-92DA-4AB5-94AC-978EACD32E6F}" type="datetimeFigureOut">
               <a:rPr lang="en-US" smtClean="0"/>
-              <a:t>5/16/2015</a:t>
+              <a:t>5/17/2015</a:t>
             </a:fld>
             <a:endParaRPr lang="en-US"/>
           </a:p>
@@ -408,7 +417,7 @@
           <a:p>
             <a:fld id="{4AFC3576-92DA-4AB5-94AC-978EACD32E6F}" type="datetimeFigureOut">
               <a:rPr lang="en-US" smtClean="0"/>
-              <a:t>5/16/2015</a:t>
+              <a:t>5/17/2015</a:t>
             </a:fld>
             <a:endParaRPr lang="en-US"/>
           </a:p>
@@ -588,7 +597,7 @@
           <a:p>
             <a:fld id="{4AFC3576-92DA-4AB5-94AC-978EACD32E6F}" type="datetimeFigureOut">
               <a:rPr lang="en-US" smtClean="0"/>
-              <a:t>5/16/2015</a:t>
+              <a:t>5/17/2015</a:t>
             </a:fld>
             <a:endParaRPr lang="en-US"/>
           </a:p>
@@ -758,7 +767,7 @@
           <a:p>
             <a:fld id="{4AFC3576-92DA-4AB5-94AC-978EACD32E6F}" type="datetimeFigureOut">
               <a:rPr lang="en-US" smtClean="0"/>
-              <a:t>5/16/2015</a:t>
+              <a:t>5/17/2015</a:t>
             </a:fld>
             <a:endParaRPr lang="en-US"/>
           </a:p>
@@ -1004,7 +1013,7 @@
           <a:p>
             <a:fld id="{4AFC3576-92DA-4AB5-94AC-978EACD32E6F}" type="datetimeFigureOut">
               <a:rPr lang="en-US" smtClean="0"/>
-              <a:t>5/16/2015</a:t>
+              <a:t>5/17/2015</a:t>
             </a:fld>
             <a:endParaRPr lang="en-US"/>
           </a:p>
@@ -1236,7 +1245,7 @@
           <a:p>
             <a:fld id="{4AFC3576-92DA-4AB5-94AC-978EACD32E6F}" type="datetimeFigureOut">
               <a:rPr lang="en-US" smtClean="0"/>
-              <a:t>5/16/2015</a:t>
+              <a:t>5/17/2015</a:t>
             </a:fld>
             <a:endParaRPr lang="en-US"/>
           </a:p>
@@ -1603,7 +1612,7 @@
           <a:p>
             <a:fld id="{4AFC3576-92DA-4AB5-94AC-978EACD32E6F}" type="datetimeFigureOut">
               <a:rPr lang="en-US" smtClean="0"/>
-              <a:t>5/16/2015</a:t>
+              <a:t>5/17/2015</a:t>
             </a:fld>
             <a:endParaRPr lang="en-US"/>
           </a:p>
@@ -1721,7 +1730,7 @@
           <a:p>
             <a:fld id="{4AFC3576-92DA-4AB5-94AC-978EACD32E6F}" type="datetimeFigureOut">
               <a:rPr lang="en-US" smtClean="0"/>
-              <a:t>5/16/2015</a:t>
+              <a:t>5/17/2015</a:t>
             </a:fld>
             <a:endParaRPr lang="en-US"/>
           </a:p>
@@ -1816,7 +1825,7 @@
           <a:p>
             <a:fld id="{4AFC3576-92DA-4AB5-94AC-978EACD32E6F}" type="datetimeFigureOut">
               <a:rPr lang="en-US" smtClean="0"/>
-              <a:t>5/16/2015</a:t>
+              <a:t>5/17/2015</a:t>
             </a:fld>
             <a:endParaRPr lang="en-US"/>
           </a:p>
@@ -2093,7 +2102,7 @@
           <a:p>
             <a:fld id="{4AFC3576-92DA-4AB5-94AC-978EACD32E6F}" type="datetimeFigureOut">
               <a:rPr lang="en-US" smtClean="0"/>
-              <a:t>5/16/2015</a:t>
+              <a:t>5/17/2015</a:t>
             </a:fld>
             <a:endParaRPr lang="en-US"/>
           </a:p>
@@ -2346,7 +2355,7 @@
           <a:p>
             <a:fld id="{4AFC3576-92DA-4AB5-94AC-978EACD32E6F}" type="datetimeFigureOut">
               <a:rPr lang="en-US" smtClean="0"/>
-              <a:t>5/16/2015</a:t>
+              <a:t>5/17/2015</a:t>
             </a:fld>
             <a:endParaRPr lang="en-US"/>
           </a:p>
@@ -2559,7 +2568,7 @@
           <a:p>
             <a:fld id="{4AFC3576-92DA-4AB5-94AC-978EACD32E6F}" type="datetimeFigureOut">
               <a:rPr lang="en-US" smtClean="0"/>
-              <a:t>5/16/2015</a:t>
+              <a:t>5/17/2015</a:t>
             </a:fld>
             <a:endParaRPr lang="en-US"/>
           </a:p>
@@ -2964,25 +2973,36 @@
           <a:chExt cx="0" cy="0"/>
         </a:xfrm>
       </p:grpSpPr>
-      <p:sp>
-        <p:nvSpPr>
-          <p:cNvPr id="2" name="Title 1"/>
-          <p:cNvSpPr>
-            <a:spLocks noGrp="1"/>
-          </p:cNvSpPr>
-          <p:nvPr>
-            <p:ph type="ctrTitle"/>
-          </p:nvPr>
-        </p:nvSpPr>
-        <p:spPr/>
-        <p:txBody>
-          <a:bodyPr/>
-          <a:lstStyle/>
-          <a:p>
-            <a:endParaRPr lang="en-US"/>
-          </a:p>
-        </p:txBody>
-      </p:sp>
+      <p:pic>
+        <p:nvPicPr>
+          <p:cNvPr id="5" name="Picture 4"/>
+          <p:cNvPicPr>
+            <a:picLocks noChangeAspect="1"/>
+          </p:cNvPicPr>
+          <p:nvPr/>
+        </p:nvPicPr>
+        <p:blipFill>
+          <a:blip r:embed="rId2">
+            <a:extLst>
+              <a:ext uri="{28A0092B-C50C-407E-A947-70E740481C1C}">
+                <a14:useLocalDpi xmlns:a14="http://schemas.microsoft.com/office/drawing/2010/main" val="0"/>
+              </a:ext>
+            </a:extLst>
+          </a:blip>
+          <a:stretch>
+            <a:fillRect/>
+          </a:stretch>
+        </p:blipFill>
+        <p:spPr>
+          <a:xfrm>
+            <a:off x="5127135" y="2491500"/>
+            <a:ext cx="7224386" cy="2766300"/>
+          </a:xfrm>
+          <a:prstGeom prst="rect">
+            <a:avLst/>
+          </a:prstGeom>
+        </p:spPr>
+      </p:pic>
       <p:sp>
         <p:nvSpPr>
           <p:cNvPr id="3" name="Subtitle 2"/>
@@ -2993,19 +3013,411 @@
             <p:ph type="subTitle" idx="1"/>
           </p:nvPr>
         </p:nvSpPr>
-        <p:spPr/>
-        <p:txBody>
-          <a:bodyPr/>
-          <a:lstStyle/>
-          <a:p>
-            <a:endParaRPr lang="en-US"/>
-          </a:p>
-        </p:txBody>
-      </p:sp>
+        <p:spPr>
+          <a:xfrm>
+            <a:off x="1122347" y="4993630"/>
+            <a:ext cx="9144000" cy="1655762"/>
+          </a:xfrm>
+        </p:spPr>
+        <p:txBody>
+          <a:bodyPr>
+            <a:normAutofit/>
+          </a:bodyPr>
+          <a:lstStyle/>
+          <a:p>
+            <a:r>
+              <a:rPr lang="en-US" sz="3200" i="1" dirty="0">
+                <a:solidFill>
+                  <a:srgbClr val="009999"/>
+                </a:solidFill>
+              </a:rPr>
+              <a:t>Syntactically Awesome </a:t>
+            </a:r>
+            <a:r>
+              <a:rPr lang="en-US" sz="3200" i="1" dirty="0" err="1">
+                <a:solidFill>
+                  <a:srgbClr val="009999"/>
+                </a:solidFill>
+              </a:rPr>
+              <a:t>Stylesheets</a:t>
+            </a:r>
+            <a:endParaRPr lang="en-US" sz="3200" dirty="0">
+              <a:solidFill>
+                <a:srgbClr val="009999"/>
+              </a:solidFill>
+            </a:endParaRPr>
+          </a:p>
+        </p:txBody>
+      </p:sp>
+      <p:pic>
+        <p:nvPicPr>
+          <p:cNvPr id="4" name="Picture 3"/>
+          <p:cNvPicPr>
+            <a:picLocks noChangeAspect="1"/>
+          </p:cNvPicPr>
+          <p:nvPr/>
+        </p:nvPicPr>
+        <p:blipFill>
+          <a:blip r:embed="rId3">
+            <a:extLst>
+              <a:ext uri="{28A0092B-C50C-407E-A947-70E740481C1C}">
+                <a14:useLocalDpi xmlns:a14="http://schemas.microsoft.com/office/drawing/2010/main" val="0"/>
+              </a:ext>
+            </a:extLst>
+          </a:blip>
+          <a:stretch>
+            <a:fillRect/>
+          </a:stretch>
+        </p:blipFill>
+        <p:spPr>
+          <a:xfrm>
+            <a:off x="3224924" y="508001"/>
+            <a:ext cx="4067175" cy="3048000"/>
+          </a:xfrm>
+          <a:prstGeom prst="rect">
+            <a:avLst/>
+          </a:prstGeom>
+        </p:spPr>
+      </p:pic>
     </p:spTree>
     <p:extLst>
       <p:ext uri="{BB962C8B-B14F-4D97-AF65-F5344CB8AC3E}">
         <p14:creationId xmlns:p14="http://schemas.microsoft.com/office/powerpoint/2010/main" val="2150533289"/>
+      </p:ext>
+    </p:extLst>
+  </p:cSld>
+  <p:clrMapOvr>
+    <a:masterClrMapping/>
+  </p:clrMapOvr>
+  <p:timing>
+    <p:tnLst>
+      <p:par>
+        <p:cTn id="1" dur="indefinite" restart="never" nodeType="tmRoot"/>
+      </p:par>
+    </p:tnLst>
+  </p:timing>
+</p:sld>
+</file>
+
+<file path=ppt/slides/slide2.xml><?xml version="1.0" encoding="utf-8"?>
+<p:sld xmlns:a="http://schemas.openxmlformats.org/drawingml/2006/main" xmlns:r="http://schemas.openxmlformats.org/officeDocument/2006/relationships" xmlns:p="http://schemas.openxmlformats.org/presentationml/2006/main">
+  <p:cSld>
+    <p:spTree>
+      <p:nvGrpSpPr>
+        <p:cNvPr id="1" name=""/>
+        <p:cNvGrpSpPr/>
+        <p:nvPr/>
+      </p:nvGrpSpPr>
+      <p:grpSpPr>
+        <a:xfrm>
+          <a:off x="0" y="0"/>
+          <a:ext cx="0" cy="0"/>
+          <a:chOff x="0" y="0"/>
+          <a:chExt cx="0" cy="0"/>
+        </a:xfrm>
+      </p:grpSpPr>
+      <p:sp>
+        <p:nvSpPr>
+          <p:cNvPr id="2" name="Title 1"/>
+          <p:cNvSpPr>
+            <a:spLocks noGrp="1"/>
+          </p:cNvSpPr>
+          <p:nvPr>
+            <p:ph type="title"/>
+          </p:nvPr>
+        </p:nvSpPr>
+        <p:spPr/>
+        <p:txBody>
+          <a:bodyPr/>
+          <a:lstStyle/>
+          <a:p>
+            <a:r>
+              <a:rPr lang="en-US" dirty="0"/>
+              <a:t>¿</a:t>
+            </a:r>
+            <a:r>
+              <a:rPr lang="en-US" dirty="0" err="1" smtClean="0"/>
+              <a:t>Que</a:t>
+            </a:r>
+            <a:r>
+              <a:rPr lang="en-US" dirty="0" smtClean="0"/>
+              <a:t> </a:t>
+            </a:r>
+            <a:r>
+              <a:rPr lang="en-US" dirty="0" err="1" smtClean="0"/>
+              <a:t>es</a:t>
+            </a:r>
+            <a:r>
+              <a:rPr lang="en-US" dirty="0" smtClean="0"/>
+              <a:t> Sass?</a:t>
+            </a:r>
+            <a:endParaRPr lang="en-US" dirty="0"/>
+          </a:p>
+        </p:txBody>
+      </p:sp>
+      <p:sp>
+        <p:nvSpPr>
+          <p:cNvPr id="3" name="Content Placeholder 2"/>
+          <p:cNvSpPr>
+            <a:spLocks noGrp="1"/>
+          </p:cNvSpPr>
+          <p:nvPr>
+            <p:ph idx="1"/>
+          </p:nvPr>
+        </p:nvSpPr>
+        <p:spPr/>
+        <p:txBody>
+          <a:bodyPr/>
+          <a:lstStyle/>
+          <a:p>
+            <a:endParaRPr lang="en-US" dirty="0"/>
+          </a:p>
+        </p:txBody>
+      </p:sp>
+    </p:spTree>
+    <p:extLst>
+      <p:ext uri="{BB962C8B-B14F-4D97-AF65-F5344CB8AC3E}">
+        <p14:creationId xmlns:p14="http://schemas.microsoft.com/office/powerpoint/2010/main" val="3255359322"/>
+      </p:ext>
+    </p:extLst>
+  </p:cSld>
+  <p:clrMapOvr>
+    <a:masterClrMapping/>
+  </p:clrMapOvr>
+</p:sld>
+</file>
+
+<file path=ppt/slides/slide3.xml><?xml version="1.0" encoding="utf-8"?>
+<p:sld xmlns:a="http://schemas.openxmlformats.org/drawingml/2006/main" xmlns:r="http://schemas.openxmlformats.org/officeDocument/2006/relationships" xmlns:p="http://schemas.openxmlformats.org/presentationml/2006/main">
+  <p:cSld>
+    <p:spTree>
+      <p:nvGrpSpPr>
+        <p:cNvPr id="1" name=""/>
+        <p:cNvGrpSpPr/>
+        <p:nvPr/>
+      </p:nvGrpSpPr>
+      <p:grpSpPr>
+        <a:xfrm>
+          <a:off x="0" y="0"/>
+          <a:ext cx="0" cy="0"/>
+          <a:chOff x="0" y="0"/>
+          <a:chExt cx="0" cy="0"/>
+        </a:xfrm>
+      </p:grpSpPr>
+      <p:sp>
+        <p:nvSpPr>
+          <p:cNvPr id="2" name="Title 1"/>
+          <p:cNvSpPr>
+            <a:spLocks noGrp="1"/>
+          </p:cNvSpPr>
+          <p:nvPr>
+            <p:ph type="title"/>
+          </p:nvPr>
+        </p:nvSpPr>
+        <p:spPr/>
+        <p:txBody>
+          <a:bodyPr/>
+          <a:lstStyle/>
+          <a:p>
+            <a:r>
+              <a:rPr lang="en-US" dirty="0" smtClean="0"/>
+              <a:t>¿Como se </a:t>
+            </a:r>
+            <a:r>
+              <a:rPr lang="en-US" dirty="0" err="1" smtClean="0"/>
+              <a:t>incorpora</a:t>
+            </a:r>
+            <a:r>
+              <a:rPr lang="en-US" dirty="0" smtClean="0"/>
+              <a:t>?</a:t>
+            </a:r>
+            <a:endParaRPr lang="en-US" dirty="0"/>
+          </a:p>
+        </p:txBody>
+      </p:sp>
+      <p:sp>
+        <p:nvSpPr>
+          <p:cNvPr id="3" name="Content Placeholder 2"/>
+          <p:cNvSpPr>
+            <a:spLocks noGrp="1"/>
+          </p:cNvSpPr>
+          <p:nvPr>
+            <p:ph idx="1"/>
+          </p:nvPr>
+        </p:nvSpPr>
+        <p:spPr/>
+        <p:txBody>
+          <a:bodyPr/>
+          <a:lstStyle/>
+          <a:p>
+            <a:endParaRPr lang="en-US"/>
+          </a:p>
+        </p:txBody>
+      </p:sp>
+    </p:spTree>
+    <p:extLst>
+      <p:ext uri="{BB962C8B-B14F-4D97-AF65-F5344CB8AC3E}">
+        <p14:creationId xmlns:p14="http://schemas.microsoft.com/office/powerpoint/2010/main" val="1208392141"/>
+      </p:ext>
+    </p:extLst>
+  </p:cSld>
+  <p:clrMapOvr>
+    <a:masterClrMapping/>
+  </p:clrMapOvr>
+</p:sld>
+</file>
+
+<file path=ppt/slides/slide4.xml><?xml version="1.0" encoding="utf-8"?>
+<p:sld xmlns:a="http://schemas.openxmlformats.org/drawingml/2006/main" xmlns:r="http://schemas.openxmlformats.org/officeDocument/2006/relationships" xmlns:p="http://schemas.openxmlformats.org/presentationml/2006/main">
+  <p:cSld>
+    <p:spTree>
+      <p:nvGrpSpPr>
+        <p:cNvPr id="1" name=""/>
+        <p:cNvGrpSpPr/>
+        <p:nvPr/>
+      </p:nvGrpSpPr>
+      <p:grpSpPr>
+        <a:xfrm>
+          <a:off x="0" y="0"/>
+          <a:ext cx="0" cy="0"/>
+          <a:chOff x="0" y="0"/>
+          <a:chExt cx="0" cy="0"/>
+        </a:xfrm>
+      </p:grpSpPr>
+      <p:sp>
+        <p:nvSpPr>
+          <p:cNvPr id="2" name="Title 1"/>
+          <p:cNvSpPr>
+            <a:spLocks noGrp="1"/>
+          </p:cNvSpPr>
+          <p:nvPr>
+            <p:ph type="title"/>
+          </p:nvPr>
+        </p:nvSpPr>
+        <p:spPr/>
+        <p:txBody>
+          <a:bodyPr/>
+          <a:lstStyle/>
+          <a:p>
+            <a:r>
+              <a:rPr lang="en-US" dirty="0" err="1" smtClean="0"/>
+              <a:t>Algunos</a:t>
+            </a:r>
+            <a:r>
+              <a:rPr lang="en-US" dirty="0" smtClean="0"/>
+              <a:t> </a:t>
+            </a:r>
+            <a:r>
+              <a:rPr lang="en-US" dirty="0" err="1" smtClean="0"/>
+              <a:t>ejemplos</a:t>
+            </a:r>
+            <a:endParaRPr lang="en-US" dirty="0"/>
+          </a:p>
+        </p:txBody>
+      </p:sp>
+      <p:sp>
+        <p:nvSpPr>
+          <p:cNvPr id="3" name="Content Placeholder 2"/>
+          <p:cNvSpPr>
+            <a:spLocks noGrp="1"/>
+          </p:cNvSpPr>
+          <p:nvPr>
+            <p:ph idx="1"/>
+          </p:nvPr>
+        </p:nvSpPr>
+        <p:spPr/>
+        <p:txBody>
+          <a:bodyPr/>
+          <a:lstStyle/>
+          <a:p>
+            <a:endParaRPr lang="en-US"/>
+          </a:p>
+        </p:txBody>
+      </p:sp>
+    </p:spTree>
+    <p:extLst>
+      <p:ext uri="{BB962C8B-B14F-4D97-AF65-F5344CB8AC3E}">
+        <p14:creationId xmlns:p14="http://schemas.microsoft.com/office/powerpoint/2010/main" val="3563678182"/>
+      </p:ext>
+    </p:extLst>
+  </p:cSld>
+  <p:clrMapOvr>
+    <a:masterClrMapping/>
+  </p:clrMapOvr>
+</p:sld>
+</file>
+
+<file path=ppt/slides/slide5.xml><?xml version="1.0" encoding="utf-8"?>
+<p:sld xmlns:a="http://schemas.openxmlformats.org/drawingml/2006/main" xmlns:r="http://schemas.openxmlformats.org/officeDocument/2006/relationships" xmlns:p="http://schemas.openxmlformats.org/presentationml/2006/main">
+  <p:cSld>
+    <p:spTree>
+      <p:nvGrpSpPr>
+        <p:cNvPr id="1" name=""/>
+        <p:cNvGrpSpPr/>
+        <p:nvPr/>
+      </p:nvGrpSpPr>
+      <p:grpSpPr>
+        <a:xfrm>
+          <a:off x="0" y="0"/>
+          <a:ext cx="0" cy="0"/>
+          <a:chOff x="0" y="0"/>
+          <a:chExt cx="0" cy="0"/>
+        </a:xfrm>
+      </p:grpSpPr>
+      <p:sp>
+        <p:nvSpPr>
+          <p:cNvPr id="2" name="Title 1"/>
+          <p:cNvSpPr>
+            <a:spLocks noGrp="1"/>
+          </p:cNvSpPr>
+          <p:nvPr>
+            <p:ph type="title"/>
+          </p:nvPr>
+        </p:nvSpPr>
+        <p:spPr/>
+        <p:txBody>
+          <a:bodyPr/>
+          <a:lstStyle/>
+          <a:p>
+            <a:r>
+              <a:rPr lang="en-US" dirty="0" err="1" smtClean="0"/>
+              <a:t>Integración</a:t>
+            </a:r>
+            <a:r>
+              <a:rPr lang="en-US" dirty="0" smtClean="0"/>
+              <a:t> en el </a:t>
+            </a:r>
+            <a:r>
+              <a:rPr lang="en-US" dirty="0" err="1" smtClean="0"/>
+              <a:t>proyecto</a:t>
+            </a:r>
+            <a:endParaRPr lang="en-US" dirty="0"/>
+          </a:p>
+        </p:txBody>
+      </p:sp>
+      <p:sp>
+        <p:nvSpPr>
+          <p:cNvPr id="3" name="Content Placeholder 2"/>
+          <p:cNvSpPr>
+            <a:spLocks noGrp="1"/>
+          </p:cNvSpPr>
+          <p:nvPr>
+            <p:ph idx="1"/>
+          </p:nvPr>
+        </p:nvSpPr>
+        <p:spPr/>
+        <p:txBody>
+          <a:bodyPr/>
+          <a:lstStyle/>
+          <a:p>
+            <a:endParaRPr lang="en-US"/>
+          </a:p>
+        </p:txBody>
+      </p:sp>
+    </p:spTree>
+    <p:extLst>
+      <p:ext uri="{BB962C8B-B14F-4D97-AF65-F5344CB8AC3E}">
+        <p14:creationId xmlns:p14="http://schemas.microsoft.com/office/powerpoint/2010/main" val="2332543644"/>
       </p:ext>
     </p:extLst>
   </p:cSld>

--- a/Sass.pptx
+++ b/Sass.pptx
@@ -3015,8 +3015,8 @@
         </p:nvSpPr>
         <p:spPr>
           <a:xfrm>
-            <a:off x="1122347" y="4993630"/>
-            <a:ext cx="9144000" cy="1655762"/>
+            <a:off x="1618003" y="4828374"/>
+            <a:ext cx="9144000" cy="1821018"/>
           </a:xfrm>
         </p:spPr>
         <p:txBody>
@@ -3034,18 +3034,64 @@
               <a:t>Syntactically Awesome </a:t>
             </a:r>
             <a:r>
-              <a:rPr lang="en-US" sz="3200" i="1" dirty="0" err="1">
+              <a:rPr lang="en-US" sz="3200" i="1" dirty="0" err="1" smtClean="0">
                 <a:solidFill>
                   <a:srgbClr val="009999"/>
                 </a:solidFill>
               </a:rPr>
               <a:t>Stylesheets</a:t>
             </a:r>
-            <a:endParaRPr lang="en-US" sz="3200" dirty="0">
+            <a:endParaRPr lang="en-US" sz="3200" i="1" dirty="0" smtClean="0">
               <a:solidFill>
                 <a:srgbClr val="009999"/>
               </a:solidFill>
             </a:endParaRPr>
+          </a:p>
+          <a:p>
+            <a:endParaRPr lang="en-US" sz="1400" i="1" dirty="0" smtClean="0"/>
+          </a:p>
+          <a:p>
+            <a:r>
+              <a:rPr lang="en-US" sz="1400" i="1" dirty="0" smtClean="0"/>
+              <a:t>Universidad </a:t>
+            </a:r>
+            <a:r>
+              <a:rPr lang="en-US" sz="1400" i="1" dirty="0" err="1" smtClean="0"/>
+              <a:t>Nacional</a:t>
+            </a:r>
+            <a:r>
+              <a:rPr lang="en-US" sz="1400" i="1" dirty="0" smtClean="0"/>
+              <a:t> de Costa Rica</a:t>
+            </a:r>
+          </a:p>
+          <a:p>
+            <a:r>
+              <a:rPr lang="en-US" sz="1400" i="1" dirty="0" err="1" smtClean="0"/>
+              <a:t>Diseño</a:t>
+            </a:r>
+            <a:r>
+              <a:rPr lang="en-US" sz="1400" i="1" dirty="0" smtClean="0"/>
+              <a:t> de </a:t>
+            </a:r>
+            <a:r>
+              <a:rPr lang="en-US" sz="1400" i="1" dirty="0" err="1" smtClean="0"/>
+              <a:t>sitios</a:t>
+            </a:r>
+            <a:r>
+              <a:rPr lang="en-US" sz="1400" i="1" dirty="0" smtClean="0"/>
+              <a:t> web</a:t>
+            </a:r>
+          </a:p>
+          <a:p>
+            <a:r>
+              <a:rPr lang="en-US" sz="1400" i="1" dirty="0" err="1" smtClean="0"/>
+              <a:t>Grupo</a:t>
+            </a:r>
+            <a:r>
+              <a:rPr lang="en-US" sz="1400" i="1" dirty="0" smtClean="0"/>
+              <a:t> Tango</a:t>
+            </a:r>
+            <a:endParaRPr lang="en-US" sz="1400" dirty="0"/>
           </a:p>
         </p:txBody>
       </p:sp>
@@ -3132,26 +3178,50 @@
           <a:lstStyle/>
           <a:p>
             <a:r>
-              <a:rPr lang="en-US" dirty="0"/>
+              <a:rPr lang="en-US" dirty="0">
+                <a:solidFill>
+                  <a:srgbClr val="009999"/>
+                </a:solidFill>
+              </a:rPr>
               <a:t>¿</a:t>
             </a:r>
             <a:r>
-              <a:rPr lang="en-US" dirty="0" err="1" smtClean="0"/>
+              <a:rPr lang="en-US" dirty="0" err="1" smtClean="0">
+                <a:solidFill>
+                  <a:srgbClr val="009999"/>
+                </a:solidFill>
+              </a:rPr>
               <a:t>Que</a:t>
             </a:r>
             <a:r>
-              <a:rPr lang="en-US" dirty="0" smtClean="0"/>
+              <a:rPr lang="en-US" dirty="0" smtClean="0">
+                <a:solidFill>
+                  <a:srgbClr val="009999"/>
+                </a:solidFill>
+              </a:rPr>
               <a:t> </a:t>
             </a:r>
             <a:r>
-              <a:rPr lang="en-US" dirty="0" err="1" smtClean="0"/>
+              <a:rPr lang="en-US" dirty="0" err="1" smtClean="0">
+                <a:solidFill>
+                  <a:srgbClr val="009999"/>
+                </a:solidFill>
+              </a:rPr>
               <a:t>es</a:t>
             </a:r>
             <a:r>
-              <a:rPr lang="en-US" dirty="0" smtClean="0"/>
+              <a:rPr lang="en-US" dirty="0" smtClean="0">
+                <a:solidFill>
+                  <a:srgbClr val="009999"/>
+                </a:solidFill>
+              </a:rPr>
               <a:t> Sass?</a:t>
             </a:r>
-            <a:endParaRPr lang="en-US" dirty="0"/>
+            <a:endParaRPr lang="en-US" dirty="0">
+              <a:solidFill>
+                <a:srgbClr val="009999"/>
+              </a:solidFill>
+            </a:endParaRPr>
           </a:p>
         </p:txBody>
       </p:sp>
@@ -3184,6 +3254,13 @@
   <p:clrMapOvr>
     <a:masterClrMapping/>
   </p:clrMapOvr>
+  <p:timing>
+    <p:tnLst>
+      <p:par>
+        <p:cTn id="1" dur="indefinite" restart="never" nodeType="tmRoot"/>
+      </p:par>
+    </p:tnLst>
+  </p:timing>
 </p:sld>
 </file>
 
@@ -3220,18 +3297,34 @@
           <a:lstStyle/>
           <a:p>
             <a:r>
-              <a:rPr lang="en-US" dirty="0" smtClean="0"/>
+              <a:rPr lang="en-US" dirty="0" smtClean="0">
+                <a:solidFill>
+                  <a:srgbClr val="009999"/>
+                </a:solidFill>
+              </a:rPr>
               <a:t>¿Como se </a:t>
             </a:r>
             <a:r>
-              <a:rPr lang="en-US" dirty="0" err="1" smtClean="0"/>
+              <a:rPr lang="en-US" dirty="0" err="1" smtClean="0">
+                <a:solidFill>
+                  <a:srgbClr val="009999"/>
+                </a:solidFill>
+              </a:rPr>
               <a:t>incorpora</a:t>
             </a:r>
             <a:r>
-              <a:rPr lang="en-US" dirty="0" smtClean="0"/>
+              <a:rPr lang="en-US" dirty="0" smtClean="0">
+                <a:solidFill>
+                  <a:srgbClr val="009999"/>
+                </a:solidFill>
+              </a:rPr>
               <a:t>?</a:t>
             </a:r>
-            <a:endParaRPr lang="en-US" dirty="0"/>
+            <a:endParaRPr lang="en-US" dirty="0">
+              <a:solidFill>
+                <a:srgbClr val="009999"/>
+              </a:solidFill>
+            </a:endParaRPr>
           </a:p>
         </p:txBody>
       </p:sp>
@@ -3300,18 +3393,34 @@
           <a:lstStyle/>
           <a:p>
             <a:r>
-              <a:rPr lang="en-US" dirty="0" err="1" smtClean="0"/>
+              <a:rPr lang="en-US" dirty="0" err="1" smtClean="0">
+                <a:solidFill>
+                  <a:srgbClr val="009999"/>
+                </a:solidFill>
+              </a:rPr>
               <a:t>Algunos</a:t>
             </a:r>
             <a:r>
-              <a:rPr lang="en-US" dirty="0" smtClean="0"/>
+              <a:rPr lang="en-US" dirty="0" smtClean="0">
+                <a:solidFill>
+                  <a:srgbClr val="009999"/>
+                </a:solidFill>
+              </a:rPr>
               <a:t> </a:t>
             </a:r>
             <a:r>
-              <a:rPr lang="en-US" dirty="0" err="1" smtClean="0"/>
+              <a:rPr lang="en-US" dirty="0" err="1" smtClean="0">
+                <a:solidFill>
+                  <a:srgbClr val="009999"/>
+                </a:solidFill>
+              </a:rPr>
               <a:t>ejemplos</a:t>
             </a:r>
-            <a:endParaRPr lang="en-US" dirty="0"/>
+            <a:endParaRPr lang="en-US" dirty="0">
+              <a:solidFill>
+                <a:srgbClr val="009999"/>
+              </a:solidFill>
+            </a:endParaRPr>
           </a:p>
         </p:txBody>
       </p:sp>
@@ -3380,18 +3489,34 @@
           <a:lstStyle/>
           <a:p>
             <a:r>
-              <a:rPr lang="en-US" dirty="0" err="1" smtClean="0"/>
+              <a:rPr lang="en-US" dirty="0" err="1" smtClean="0">
+                <a:solidFill>
+                  <a:srgbClr val="009999"/>
+                </a:solidFill>
+              </a:rPr>
               <a:t>Integración</a:t>
             </a:r>
             <a:r>
-              <a:rPr lang="en-US" dirty="0" smtClean="0"/>
+              <a:rPr lang="en-US" dirty="0" smtClean="0">
+                <a:solidFill>
+                  <a:srgbClr val="009999"/>
+                </a:solidFill>
+              </a:rPr>
               <a:t> en el </a:t>
             </a:r>
             <a:r>
-              <a:rPr lang="en-US" dirty="0" err="1" smtClean="0"/>
+              <a:rPr lang="en-US" dirty="0" err="1" smtClean="0">
+                <a:solidFill>
+                  <a:srgbClr val="009999"/>
+                </a:solidFill>
+              </a:rPr>
               <a:t>proyecto</a:t>
             </a:r>
-            <a:endParaRPr lang="en-US" dirty="0"/>
+            <a:endParaRPr lang="en-US" dirty="0">
+              <a:solidFill>
+                <a:srgbClr val="009999"/>
+              </a:solidFill>
+            </a:endParaRPr>
           </a:p>
         </p:txBody>
       </p:sp>

--- a/Sass.pptx
+++ b/Sass.pptx
@@ -10,6 +10,10 @@
     <p:sldId id="258" r:id="rId4"/>
     <p:sldId id="259" r:id="rId5"/>
     <p:sldId id="260" r:id="rId6"/>
+    <p:sldId id="262" r:id="rId7"/>
+    <p:sldId id="261" r:id="rId8"/>
+    <p:sldId id="263" r:id="rId9"/>
+    <p:sldId id="264" r:id="rId10"/>
   </p:sldIdLst>
   <p:sldSz cx="12192000" cy="6858000"/>
   <p:notesSz cx="6858000" cy="9144000"/>
@@ -3343,7 +3347,254 @@
           <a:bodyPr/>
           <a:lstStyle/>
           <a:p>
-            <a:endParaRPr lang="en-US"/>
+            <a:r>
+              <a:rPr lang="en-US" dirty="0" err="1" smtClean="0"/>
+              <a:t>Requerimientos</a:t>
+            </a:r>
+            <a:r>
+              <a:rPr lang="en-US" dirty="0" smtClean="0"/>
+              <a:t> de software: Ruby – Sass – </a:t>
+            </a:r>
+            <a:r>
+              <a:rPr lang="en-US" dirty="0" err="1" smtClean="0"/>
+              <a:t>Compilador</a:t>
+            </a:r>
+            <a:r>
+              <a:rPr lang="en-US" dirty="0" smtClean="0"/>
+              <a:t> (Koala) – Editor de </a:t>
+            </a:r>
+            <a:r>
+              <a:rPr lang="en-US" dirty="0" err="1" smtClean="0"/>
+              <a:t>texto</a:t>
+            </a:r>
+            <a:endParaRPr lang="en-US" dirty="0" smtClean="0"/>
+          </a:p>
+          <a:p>
+            <a:r>
+              <a:rPr lang="en-US" dirty="0" err="1" smtClean="0"/>
+              <a:t>Instalar</a:t>
+            </a:r>
+            <a:r>
+              <a:rPr lang="en-US" dirty="0" smtClean="0"/>
+              <a:t> Sass </a:t>
+            </a:r>
+            <a:r>
+              <a:rPr lang="en-US" dirty="0" err="1" smtClean="0"/>
+              <a:t>apartir</a:t>
+            </a:r>
+            <a:r>
+              <a:rPr lang="en-US" dirty="0" smtClean="0"/>
+              <a:t> de la </a:t>
+            </a:r>
+            <a:r>
+              <a:rPr lang="en-US" dirty="0" err="1" smtClean="0"/>
+              <a:t>consola</a:t>
+            </a:r>
+            <a:r>
+              <a:rPr lang="en-US" dirty="0" smtClean="0"/>
+              <a:t> de Ruby, “</a:t>
+            </a:r>
+            <a:r>
+              <a:rPr lang="en-US" b="1" dirty="0" smtClean="0">
+                <a:solidFill>
+                  <a:srgbClr val="009999"/>
+                </a:solidFill>
+              </a:rPr>
+              <a:t>gem install sass</a:t>
+            </a:r>
+            <a:r>
+              <a:rPr lang="en-US" dirty="0" smtClean="0"/>
+              <a:t>”,        “</a:t>
+            </a:r>
+            <a:r>
+              <a:rPr lang="en-US" b="1" dirty="0" smtClean="0">
+                <a:solidFill>
+                  <a:srgbClr val="009999"/>
+                </a:solidFill>
+              </a:rPr>
+              <a:t>sass -v</a:t>
+            </a:r>
+            <a:r>
+              <a:rPr lang="en-US" dirty="0" smtClean="0"/>
+              <a:t>”</a:t>
+            </a:r>
+          </a:p>
+          <a:p>
+            <a:r>
+              <a:rPr lang="en-US" dirty="0" err="1" smtClean="0"/>
+              <a:t>Instalar</a:t>
+            </a:r>
+            <a:r>
+              <a:rPr lang="en-US" dirty="0" smtClean="0"/>
+              <a:t> Koala, </a:t>
+            </a:r>
+            <a:r>
+              <a:rPr lang="en-US" dirty="0" err="1" smtClean="0"/>
+              <a:t>luego</a:t>
+            </a:r>
+            <a:r>
+              <a:rPr lang="en-US" dirty="0" smtClean="0"/>
+              <a:t> </a:t>
+            </a:r>
+            <a:r>
+              <a:rPr lang="en-US" dirty="0" err="1" smtClean="0"/>
+              <a:t>agregar</a:t>
+            </a:r>
+            <a:r>
+              <a:rPr lang="en-US" dirty="0" smtClean="0"/>
+              <a:t> el </a:t>
+            </a:r>
+            <a:r>
+              <a:rPr lang="en-US" dirty="0" smtClean="0">
+                <a:solidFill>
+                  <a:srgbClr val="009999"/>
+                </a:solidFill>
+              </a:rPr>
+              <a:t>.</a:t>
+            </a:r>
+            <a:r>
+              <a:rPr lang="en-US" dirty="0" err="1" smtClean="0">
+                <a:solidFill>
+                  <a:srgbClr val="009999"/>
+                </a:solidFill>
+              </a:rPr>
+              <a:t>scss</a:t>
+            </a:r>
+            <a:r>
+              <a:rPr lang="en-US" dirty="0" smtClean="0">
+                <a:solidFill>
+                  <a:srgbClr val="009999"/>
+                </a:solidFill>
+              </a:rPr>
+              <a:t> </a:t>
+            </a:r>
+            <a:r>
+              <a:rPr lang="en-US" dirty="0" smtClean="0"/>
+              <a:t>y la </a:t>
+            </a:r>
+            <a:r>
+              <a:rPr lang="en-US" dirty="0" err="1" smtClean="0"/>
+              <a:t>carpeta</a:t>
+            </a:r>
+            <a:r>
+              <a:rPr lang="en-US" dirty="0" smtClean="0"/>
+              <a:t> de </a:t>
+            </a:r>
+            <a:r>
+              <a:rPr lang="en-US" dirty="0" err="1" smtClean="0"/>
+              <a:t>destino</a:t>
+            </a:r>
+            <a:r>
+              <a:rPr lang="en-US" dirty="0" smtClean="0"/>
+              <a:t> (</a:t>
+            </a:r>
+            <a:r>
+              <a:rPr lang="en-US" dirty="0" smtClean="0">
+                <a:solidFill>
+                  <a:srgbClr val="009999"/>
+                </a:solidFill>
+              </a:rPr>
+              <a:t>output</a:t>
+            </a:r>
+            <a:r>
+              <a:rPr lang="en-US" dirty="0" smtClean="0"/>
+              <a:t> </a:t>
+            </a:r>
+            <a:r>
+              <a:rPr lang="en-US" dirty="0" err="1" smtClean="0"/>
+              <a:t>resultando</a:t>
+            </a:r>
+            <a:r>
+              <a:rPr lang="en-US" dirty="0" smtClean="0"/>
+              <a:t> </a:t>
+            </a:r>
+            <a:r>
+              <a:rPr lang="en-US" dirty="0" smtClean="0">
+                <a:solidFill>
+                  <a:srgbClr val="009999"/>
+                </a:solidFill>
+              </a:rPr>
+              <a:t>.</a:t>
+            </a:r>
+            <a:r>
+              <a:rPr lang="en-US" dirty="0" err="1" smtClean="0">
+                <a:solidFill>
+                  <a:srgbClr val="009999"/>
+                </a:solidFill>
+              </a:rPr>
+              <a:t>css</a:t>
+            </a:r>
+            <a:r>
+              <a:rPr lang="en-US" dirty="0" smtClean="0"/>
+              <a:t>)</a:t>
+            </a:r>
+          </a:p>
+          <a:p>
+            <a:r>
+              <a:rPr lang="en-US" dirty="0" err="1" smtClean="0"/>
+              <a:t>Comenzar</a:t>
+            </a:r>
+            <a:r>
+              <a:rPr lang="en-US" dirty="0" smtClean="0"/>
+              <a:t> a </a:t>
+            </a:r>
+            <a:r>
+              <a:rPr lang="en-US" dirty="0" err="1" smtClean="0"/>
+              <a:t>utilizar</a:t>
+            </a:r>
+            <a:r>
+              <a:rPr lang="en-US" dirty="0" smtClean="0"/>
+              <a:t> </a:t>
+            </a:r>
+            <a:r>
+              <a:rPr lang="en-US" dirty="0" err="1" smtClean="0"/>
+              <a:t>las</a:t>
+            </a:r>
+            <a:r>
+              <a:rPr lang="en-US" dirty="0" smtClean="0"/>
+              <a:t> </a:t>
+            </a:r>
+            <a:r>
+              <a:rPr lang="en-US" dirty="0" err="1" smtClean="0"/>
+              <a:t>diferentes</a:t>
+            </a:r>
+            <a:r>
+              <a:rPr lang="en-US" dirty="0" smtClean="0"/>
+              <a:t> </a:t>
+            </a:r>
+            <a:r>
+              <a:rPr lang="en-US" dirty="0" err="1" smtClean="0">
+                <a:solidFill>
+                  <a:srgbClr val="CC3399"/>
+                </a:solidFill>
+              </a:rPr>
+              <a:t>características</a:t>
+            </a:r>
+            <a:r>
+              <a:rPr lang="en-US" dirty="0" smtClean="0">
+                <a:solidFill>
+                  <a:srgbClr val="CC3399"/>
+                </a:solidFill>
+              </a:rPr>
+              <a:t> </a:t>
+            </a:r>
+            <a:r>
+              <a:rPr lang="en-US" dirty="0" smtClean="0"/>
+              <a:t>de </a:t>
+            </a:r>
+            <a:r>
+              <a:rPr lang="en-US" dirty="0" smtClean="0">
+                <a:solidFill>
+                  <a:srgbClr val="CC3399"/>
+                </a:solidFill>
+              </a:rPr>
+              <a:t>Sass</a:t>
+            </a:r>
+            <a:endParaRPr lang="en-US" dirty="0">
+              <a:solidFill>
+                <a:srgbClr val="CC3399"/>
+              </a:solidFill>
+            </a:endParaRPr>
           </a:p>
         </p:txBody>
       </p:sp>
@@ -3357,6 +3608,13 @@
   <p:clrMapOvr>
     <a:masterClrMapping/>
   </p:clrMapOvr>
+  <p:timing>
+    <p:tnLst>
+      <p:par>
+        <p:cTn id="1" dur="indefinite" restart="never" nodeType="tmRoot"/>
+      </p:par>
+    </p:tnLst>
+  </p:timing>
 </p:sld>
 </file>
 
@@ -3453,6 +3711,13 @@
   <p:clrMapOvr>
     <a:masterClrMapping/>
   </p:clrMapOvr>
+  <p:timing>
+    <p:tnLst>
+      <p:par>
+        <p:cTn id="1" dur="indefinite" restart="never" nodeType="tmRoot"/>
+      </p:par>
+    </p:tnLst>
+  </p:timing>
 </p:sld>
 </file>
 
@@ -3535,7 +3800,29 @@
           <a:bodyPr/>
           <a:lstStyle/>
           <a:p>
-            <a:endParaRPr lang="en-US"/>
+            <a:r>
+              <a:rPr lang="en-US" dirty="0" smtClean="0"/>
+              <a:t>Variables</a:t>
+            </a:r>
+          </a:p>
+          <a:p>
+            <a:endParaRPr lang="en-US" dirty="0"/>
+          </a:p>
+          <a:p>
+            <a:r>
+              <a:rPr lang="en-US" dirty="0" smtClean="0"/>
+              <a:t>Nesting</a:t>
+            </a:r>
+          </a:p>
+          <a:p>
+            <a:endParaRPr lang="en-US" dirty="0"/>
+          </a:p>
+          <a:p>
+            <a:r>
+              <a:rPr lang="en-US" dirty="0" smtClean="0"/>
+              <a:t>Inheritance </a:t>
+            </a:r>
+            <a:endParaRPr lang="en-US" dirty="0"/>
           </a:p>
         </p:txBody>
       </p:sp>
@@ -3543,6 +3830,469 @@
     <p:extLst>
       <p:ext uri="{BB962C8B-B14F-4D97-AF65-F5344CB8AC3E}">
         <p14:creationId xmlns:p14="http://schemas.microsoft.com/office/powerpoint/2010/main" val="2332543644"/>
+      </p:ext>
+    </p:extLst>
+  </p:cSld>
+  <p:clrMapOvr>
+    <a:masterClrMapping/>
+  </p:clrMapOvr>
+  <p:timing>
+    <p:tnLst>
+      <p:par>
+        <p:cTn id="1" dur="indefinite" restart="never" nodeType="tmRoot"/>
+      </p:par>
+    </p:tnLst>
+  </p:timing>
+</p:sld>
+</file>
+
+<file path=ppt/slides/slide6.xml><?xml version="1.0" encoding="utf-8"?>
+<p:sld xmlns:a="http://schemas.openxmlformats.org/drawingml/2006/main" xmlns:r="http://schemas.openxmlformats.org/officeDocument/2006/relationships" xmlns:p="http://schemas.openxmlformats.org/presentationml/2006/main">
+  <p:cSld>
+    <p:spTree>
+      <p:nvGrpSpPr>
+        <p:cNvPr id="1" name=""/>
+        <p:cNvGrpSpPr/>
+        <p:nvPr/>
+      </p:nvGrpSpPr>
+      <p:grpSpPr>
+        <a:xfrm>
+          <a:off x="0" y="0"/>
+          <a:ext cx="0" cy="0"/>
+          <a:chOff x="0" y="0"/>
+          <a:chExt cx="0" cy="0"/>
+        </a:xfrm>
+      </p:grpSpPr>
+      <p:sp>
+        <p:nvSpPr>
+          <p:cNvPr id="2" name="Title 1"/>
+          <p:cNvSpPr>
+            <a:spLocks noGrp="1"/>
+          </p:cNvSpPr>
+          <p:nvPr>
+            <p:ph type="title"/>
+          </p:nvPr>
+        </p:nvSpPr>
+        <p:spPr/>
+        <p:txBody>
+          <a:bodyPr/>
+          <a:lstStyle/>
+          <a:p>
+            <a:r>
+              <a:rPr lang="en-US" dirty="0" smtClean="0">
+                <a:solidFill>
+                  <a:srgbClr val="009999"/>
+                </a:solidFill>
+              </a:rPr>
+              <a:t>Variables</a:t>
+            </a:r>
+            <a:endParaRPr lang="en-US" dirty="0">
+              <a:solidFill>
+                <a:srgbClr val="009999"/>
+              </a:solidFill>
+            </a:endParaRPr>
+          </a:p>
+        </p:txBody>
+      </p:sp>
+      <p:pic>
+        <p:nvPicPr>
+          <p:cNvPr id="4" name="Picture 3"/>
+          <p:cNvPicPr>
+            <a:picLocks noChangeAspect="1"/>
+          </p:cNvPicPr>
+          <p:nvPr/>
+        </p:nvPicPr>
+        <p:blipFill>
+          <a:blip r:embed="rId2"/>
+          <a:stretch>
+            <a:fillRect/>
+          </a:stretch>
+        </p:blipFill>
+        <p:spPr>
+          <a:xfrm>
+            <a:off x="2435997" y="2125721"/>
+            <a:ext cx="6911754" cy="2873568"/>
+          </a:xfrm>
+          <a:prstGeom prst="rect">
+            <a:avLst/>
+          </a:prstGeom>
+        </p:spPr>
+      </p:pic>
+    </p:spTree>
+    <p:extLst>
+      <p:ext uri="{BB962C8B-B14F-4D97-AF65-F5344CB8AC3E}">
+        <p14:creationId xmlns:p14="http://schemas.microsoft.com/office/powerpoint/2010/main" val="4200743171"/>
+      </p:ext>
+    </p:extLst>
+  </p:cSld>
+  <p:clrMapOvr>
+    <a:masterClrMapping/>
+  </p:clrMapOvr>
+  <p:timing>
+    <p:tnLst>
+      <p:par>
+        <p:cTn id="1" dur="indefinite" restart="never" nodeType="tmRoot"/>
+      </p:par>
+    </p:tnLst>
+  </p:timing>
+</p:sld>
+</file>
+
+<file path=ppt/slides/slide7.xml><?xml version="1.0" encoding="utf-8"?>
+<p:sld xmlns:a="http://schemas.openxmlformats.org/drawingml/2006/main" xmlns:r="http://schemas.openxmlformats.org/officeDocument/2006/relationships" xmlns:p="http://schemas.openxmlformats.org/presentationml/2006/main">
+  <p:cSld>
+    <p:spTree>
+      <p:nvGrpSpPr>
+        <p:cNvPr id="1" name=""/>
+        <p:cNvGrpSpPr/>
+        <p:nvPr/>
+      </p:nvGrpSpPr>
+      <p:grpSpPr>
+        <a:xfrm>
+          <a:off x="0" y="0"/>
+          <a:ext cx="0" cy="0"/>
+          <a:chOff x="0" y="0"/>
+          <a:chExt cx="0" cy="0"/>
+        </a:xfrm>
+      </p:grpSpPr>
+      <p:pic>
+        <p:nvPicPr>
+          <p:cNvPr id="4" name="Content Placeholder 3"/>
+          <p:cNvPicPr>
+            <a:picLocks noGrp="1" noChangeAspect="1"/>
+          </p:cNvPicPr>
+          <p:nvPr>
+            <p:ph idx="1"/>
+          </p:nvPr>
+        </p:nvPicPr>
+        <p:blipFill>
+          <a:blip r:embed="rId2">
+            <a:extLst>
+              <a:ext uri="{28A0092B-C50C-407E-A947-70E740481C1C}">
+                <a14:useLocalDpi xmlns:a14="http://schemas.microsoft.com/office/drawing/2010/main" val="0"/>
+              </a:ext>
+            </a:extLst>
+          </a:blip>
+          <a:stretch>
+            <a:fillRect/>
+          </a:stretch>
+        </p:blipFill>
+        <p:spPr>
+          <a:xfrm>
+            <a:off x="6738187" y="3265278"/>
+            <a:ext cx="5205827" cy="3289346"/>
+          </a:xfrm>
+        </p:spPr>
+      </p:pic>
+      <p:pic>
+        <p:nvPicPr>
+          <p:cNvPr id="5" name="Picture 4"/>
+          <p:cNvPicPr>
+            <a:picLocks noChangeAspect="1"/>
+          </p:cNvPicPr>
+          <p:nvPr/>
+        </p:nvPicPr>
+        <p:blipFill>
+          <a:blip r:embed="rId3">
+            <a:extLst>
+              <a:ext uri="{28A0092B-C50C-407E-A947-70E740481C1C}">
+                <a14:useLocalDpi xmlns:a14="http://schemas.microsoft.com/office/drawing/2010/main" val="0"/>
+              </a:ext>
+            </a:extLst>
+          </a:blip>
+          <a:stretch>
+            <a:fillRect/>
+          </a:stretch>
+        </p:blipFill>
+        <p:spPr>
+          <a:xfrm>
+            <a:off x="1191904" y="1093579"/>
+            <a:ext cx="5070202" cy="3640792"/>
+          </a:xfrm>
+          <a:prstGeom prst="rect">
+            <a:avLst/>
+          </a:prstGeom>
+        </p:spPr>
+      </p:pic>
+      <p:sp>
+        <p:nvSpPr>
+          <p:cNvPr id="7" name="Title 1"/>
+          <p:cNvSpPr>
+            <a:spLocks noGrp="1"/>
+          </p:cNvSpPr>
+          <p:nvPr>
+            <p:ph type="title"/>
+          </p:nvPr>
+        </p:nvSpPr>
+        <p:spPr>
+          <a:xfrm>
+            <a:off x="727104" y="0"/>
+            <a:ext cx="10515600" cy="1325563"/>
+          </a:xfrm>
+        </p:spPr>
+        <p:txBody>
+          <a:bodyPr/>
+          <a:lstStyle/>
+          <a:p>
+            <a:r>
+              <a:rPr lang="en-US" dirty="0" smtClean="0">
+                <a:solidFill>
+                  <a:srgbClr val="009999"/>
+                </a:solidFill>
+              </a:rPr>
+              <a:t>Nesting</a:t>
+            </a:r>
+            <a:endParaRPr lang="en-US" dirty="0">
+              <a:solidFill>
+                <a:srgbClr val="009999"/>
+              </a:solidFill>
+            </a:endParaRPr>
+          </a:p>
+        </p:txBody>
+      </p:sp>
+    </p:spTree>
+    <p:extLst>
+      <p:ext uri="{BB962C8B-B14F-4D97-AF65-F5344CB8AC3E}">
+        <p14:creationId xmlns:p14="http://schemas.microsoft.com/office/powerpoint/2010/main" val="1090433965"/>
+      </p:ext>
+    </p:extLst>
+  </p:cSld>
+  <p:clrMapOvr>
+    <a:masterClrMapping/>
+  </p:clrMapOvr>
+  <p:timing>
+    <p:tnLst>
+      <p:par>
+        <p:cTn id="1" dur="indefinite" restart="never" nodeType="tmRoot"/>
+      </p:par>
+    </p:tnLst>
+  </p:timing>
+</p:sld>
+</file>
+
+<file path=ppt/slides/slide8.xml><?xml version="1.0" encoding="utf-8"?>
+<p:sld xmlns:a="http://schemas.openxmlformats.org/drawingml/2006/main" xmlns:r="http://schemas.openxmlformats.org/officeDocument/2006/relationships" xmlns:p="http://schemas.openxmlformats.org/presentationml/2006/main">
+  <p:cSld>
+    <p:spTree>
+      <p:nvGrpSpPr>
+        <p:cNvPr id="1" name=""/>
+        <p:cNvGrpSpPr/>
+        <p:nvPr/>
+      </p:nvGrpSpPr>
+      <p:grpSpPr>
+        <a:xfrm>
+          <a:off x="0" y="0"/>
+          <a:ext cx="0" cy="0"/>
+          <a:chOff x="0" y="0"/>
+          <a:chExt cx="0" cy="0"/>
+        </a:xfrm>
+      </p:grpSpPr>
+      <p:sp>
+        <p:nvSpPr>
+          <p:cNvPr id="2" name="Title 1"/>
+          <p:cNvSpPr>
+            <a:spLocks noGrp="1"/>
+          </p:cNvSpPr>
+          <p:nvPr>
+            <p:ph type="title"/>
+          </p:nvPr>
+        </p:nvSpPr>
+        <p:spPr/>
+        <p:txBody>
+          <a:bodyPr/>
+          <a:lstStyle/>
+          <a:p>
+            <a:r>
+              <a:rPr lang="en-US" dirty="0" smtClean="0">
+                <a:solidFill>
+                  <a:srgbClr val="009999"/>
+                </a:solidFill>
+              </a:rPr>
+              <a:t>Inheritance</a:t>
+            </a:r>
+            <a:endParaRPr lang="en-US" dirty="0">
+              <a:solidFill>
+                <a:srgbClr val="009999"/>
+              </a:solidFill>
+            </a:endParaRPr>
+          </a:p>
+        </p:txBody>
+      </p:sp>
+      <p:pic>
+        <p:nvPicPr>
+          <p:cNvPr id="4" name="Picture 3"/>
+          <p:cNvPicPr>
+            <a:picLocks noChangeAspect="1"/>
+          </p:cNvPicPr>
+          <p:nvPr/>
+        </p:nvPicPr>
+        <p:blipFill>
+          <a:blip r:embed="rId2"/>
+          <a:stretch>
+            <a:fillRect/>
+          </a:stretch>
+        </p:blipFill>
+        <p:spPr>
+          <a:xfrm>
+            <a:off x="1670080" y="2003276"/>
+            <a:ext cx="6800850" cy="3962400"/>
+          </a:xfrm>
+          <a:prstGeom prst="rect">
+            <a:avLst/>
+          </a:prstGeom>
+        </p:spPr>
+      </p:pic>
+    </p:spTree>
+    <p:extLst>
+      <p:ext uri="{BB962C8B-B14F-4D97-AF65-F5344CB8AC3E}">
+        <p14:creationId xmlns:p14="http://schemas.microsoft.com/office/powerpoint/2010/main" val="1406909614"/>
+      </p:ext>
+    </p:extLst>
+  </p:cSld>
+  <p:clrMapOvr>
+    <a:masterClrMapping/>
+  </p:clrMapOvr>
+  <p:timing>
+    <p:tnLst>
+      <p:par>
+        <p:cTn id="1" dur="indefinite" restart="never" nodeType="tmRoot"/>
+      </p:par>
+    </p:tnLst>
+  </p:timing>
+</p:sld>
+</file>
+
+<file path=ppt/slides/slide9.xml><?xml version="1.0" encoding="utf-8"?>
+<p:sld xmlns:a="http://schemas.openxmlformats.org/drawingml/2006/main" xmlns:r="http://schemas.openxmlformats.org/officeDocument/2006/relationships" xmlns:p="http://schemas.openxmlformats.org/presentationml/2006/main">
+  <p:cSld>
+    <p:spTree>
+      <p:nvGrpSpPr>
+        <p:cNvPr id="1" name=""/>
+        <p:cNvGrpSpPr/>
+        <p:nvPr/>
+      </p:nvGrpSpPr>
+      <p:grpSpPr>
+        <a:xfrm>
+          <a:off x="0" y="0"/>
+          <a:ext cx="0" cy="0"/>
+          <a:chOff x="0" y="0"/>
+          <a:chExt cx="0" cy="0"/>
+        </a:xfrm>
+      </p:grpSpPr>
+      <p:sp>
+        <p:nvSpPr>
+          <p:cNvPr id="2" name="Title 1"/>
+          <p:cNvSpPr>
+            <a:spLocks noGrp="1"/>
+          </p:cNvSpPr>
+          <p:nvPr>
+            <p:ph type="title"/>
+          </p:nvPr>
+        </p:nvSpPr>
+        <p:spPr/>
+        <p:txBody>
+          <a:bodyPr/>
+          <a:lstStyle/>
+          <a:p>
+            <a:r>
+              <a:rPr lang="en-US" dirty="0" err="1" smtClean="0">
+                <a:solidFill>
+                  <a:srgbClr val="009999"/>
+                </a:solidFill>
+              </a:rPr>
+              <a:t>Bibliografía</a:t>
+            </a:r>
+            <a:endParaRPr lang="en-US" dirty="0">
+              <a:solidFill>
+                <a:srgbClr val="009999"/>
+              </a:solidFill>
+            </a:endParaRPr>
+          </a:p>
+        </p:txBody>
+      </p:sp>
+      <p:sp>
+        <p:nvSpPr>
+          <p:cNvPr id="3" name="Content Placeholder 2"/>
+          <p:cNvSpPr>
+            <a:spLocks noGrp="1"/>
+          </p:cNvSpPr>
+          <p:nvPr>
+            <p:ph idx="1"/>
+          </p:nvPr>
+        </p:nvSpPr>
+        <p:spPr/>
+        <p:txBody>
+          <a:bodyPr/>
+          <a:lstStyle/>
+          <a:p>
+            <a:r>
+              <a:rPr lang="en-US" dirty="0" smtClean="0">
+                <a:hlinkClick r:id="rId2"/>
+              </a:rPr>
+              <a:t>Main page Sass –  http</a:t>
+            </a:r>
+            <a:r>
+              <a:rPr lang="en-US" dirty="0">
+                <a:hlinkClick r:id="rId2"/>
+              </a:rPr>
+              <a:t>://sass-lang.com</a:t>
+            </a:r>
+            <a:r>
+              <a:rPr lang="en-US" dirty="0" smtClean="0">
+                <a:hlinkClick r:id="rId2"/>
+              </a:rPr>
+              <a:t>/</a:t>
+            </a:r>
+            <a:endParaRPr lang="en-US" dirty="0" smtClean="0"/>
+          </a:p>
+          <a:p>
+            <a:endParaRPr lang="en-US" dirty="0"/>
+          </a:p>
+          <a:p>
+            <a:r>
+              <a:rPr lang="en-US" dirty="0">
+                <a:hlinkClick r:id="rId3"/>
+              </a:rPr>
+              <a:t>http://es.wikipedia.org/wiki/Sass_%</a:t>
+            </a:r>
+            <a:r>
+              <a:rPr lang="en-US" dirty="0" smtClean="0">
+                <a:hlinkClick r:id="rId3"/>
+              </a:rPr>
+              <a:t>28lenguaje_de_hojas_de_estilo%29#Herencia_de_selectores</a:t>
+            </a:r>
+            <a:endParaRPr lang="en-US" dirty="0" smtClean="0"/>
+          </a:p>
+          <a:p>
+            <a:endParaRPr lang="en-US" dirty="0"/>
+          </a:p>
+          <a:p>
+            <a:r>
+              <a:rPr lang="en-US" dirty="0">
+                <a:hlinkClick r:id="rId4"/>
+              </a:rPr>
+              <a:t>https://</a:t>
+            </a:r>
+            <a:r>
+              <a:rPr lang="en-US" dirty="0" smtClean="0">
+                <a:hlinkClick r:id="rId4"/>
+              </a:rPr>
+              <a:t>www.youtube.com/watch?v=pw1DeLy2Xsw</a:t>
+            </a:r>
+            <a:endParaRPr lang="en-US" dirty="0" smtClean="0"/>
+          </a:p>
+          <a:p>
+            <a:endParaRPr lang="en-US" dirty="0"/>
+          </a:p>
+          <a:p>
+            <a:endParaRPr lang="en-US" dirty="0"/>
+          </a:p>
+        </p:txBody>
+      </p:sp>
+    </p:spTree>
+    <p:extLst>
+      <p:ext uri="{BB962C8B-B14F-4D97-AF65-F5344CB8AC3E}">
+        <p14:creationId xmlns:p14="http://schemas.microsoft.com/office/powerpoint/2010/main" val="3150065448"/>
       </p:ext>
     </p:extLst>
   </p:cSld>

--- a/Sass.pptx
+++ b/Sass.pptx
@@ -7,13 +7,15 @@
   <p:sldIdLst>
     <p:sldId id="256" r:id="rId2"/>
     <p:sldId id="257" r:id="rId3"/>
-    <p:sldId id="258" r:id="rId4"/>
-    <p:sldId id="259" r:id="rId5"/>
-    <p:sldId id="260" r:id="rId6"/>
-    <p:sldId id="262" r:id="rId7"/>
-    <p:sldId id="261" r:id="rId8"/>
-    <p:sldId id="263" r:id="rId9"/>
-    <p:sldId id="264" r:id="rId10"/>
+    <p:sldId id="259" r:id="rId4"/>
+    <p:sldId id="266" r:id="rId5"/>
+    <p:sldId id="258" r:id="rId6"/>
+    <p:sldId id="265" r:id="rId7"/>
+    <p:sldId id="260" r:id="rId8"/>
+    <p:sldId id="262" r:id="rId9"/>
+    <p:sldId id="261" r:id="rId10"/>
+    <p:sldId id="263" r:id="rId11"/>
+    <p:sldId id="264" r:id="rId12"/>
   </p:sldIdLst>
   <p:sldSz cx="12192000" cy="6858000"/>
   <p:notesSz cx="6858000" cy="9144000"/>
@@ -251,7 +253,7 @@
           <a:p>
             <a:fld id="{4AFC3576-92DA-4AB5-94AC-978EACD32E6F}" type="datetimeFigureOut">
               <a:rPr lang="en-US" smtClean="0"/>
-              <a:t>5/17/2015</a:t>
+              <a:t>5/18/2015</a:t>
             </a:fld>
             <a:endParaRPr lang="en-US"/>
           </a:p>
@@ -293,7 +295,7 @@
           <a:p>
             <a:fld id="{E25D1272-17F1-4DBE-B86C-B1353AEF23A3}" type="slidenum">
               <a:rPr lang="en-US" smtClean="0"/>
-              <a:t>‹#›</a:t>
+              <a:t>‹Nº›</a:t>
             </a:fld>
             <a:endParaRPr lang="en-US"/>
           </a:p>
@@ -421,7 +423,7 @@
           <a:p>
             <a:fld id="{4AFC3576-92DA-4AB5-94AC-978EACD32E6F}" type="datetimeFigureOut">
               <a:rPr lang="en-US" smtClean="0"/>
-              <a:t>5/17/2015</a:t>
+              <a:t>5/18/2015</a:t>
             </a:fld>
             <a:endParaRPr lang="en-US"/>
           </a:p>
@@ -463,7 +465,7 @@
           <a:p>
             <a:fld id="{E25D1272-17F1-4DBE-B86C-B1353AEF23A3}" type="slidenum">
               <a:rPr lang="en-US" smtClean="0"/>
-              <a:t>‹#›</a:t>
+              <a:t>‹Nº›</a:t>
             </a:fld>
             <a:endParaRPr lang="en-US"/>
           </a:p>
@@ -601,7 +603,7 @@
           <a:p>
             <a:fld id="{4AFC3576-92DA-4AB5-94AC-978EACD32E6F}" type="datetimeFigureOut">
               <a:rPr lang="en-US" smtClean="0"/>
-              <a:t>5/17/2015</a:t>
+              <a:t>5/18/2015</a:t>
             </a:fld>
             <a:endParaRPr lang="en-US"/>
           </a:p>
@@ -643,7 +645,7 @@
           <a:p>
             <a:fld id="{E25D1272-17F1-4DBE-B86C-B1353AEF23A3}" type="slidenum">
               <a:rPr lang="en-US" smtClean="0"/>
-              <a:t>‹#›</a:t>
+              <a:t>‹Nº›</a:t>
             </a:fld>
             <a:endParaRPr lang="en-US"/>
           </a:p>
@@ -771,7 +773,7 @@
           <a:p>
             <a:fld id="{4AFC3576-92DA-4AB5-94AC-978EACD32E6F}" type="datetimeFigureOut">
               <a:rPr lang="en-US" smtClean="0"/>
-              <a:t>5/17/2015</a:t>
+              <a:t>5/18/2015</a:t>
             </a:fld>
             <a:endParaRPr lang="en-US"/>
           </a:p>
@@ -813,7 +815,7 @@
           <a:p>
             <a:fld id="{E25D1272-17F1-4DBE-B86C-B1353AEF23A3}" type="slidenum">
               <a:rPr lang="en-US" smtClean="0"/>
-              <a:t>‹#›</a:t>
+              <a:t>‹Nº›</a:t>
             </a:fld>
             <a:endParaRPr lang="en-US"/>
           </a:p>
@@ -1017,7 +1019,7 @@
           <a:p>
             <a:fld id="{4AFC3576-92DA-4AB5-94AC-978EACD32E6F}" type="datetimeFigureOut">
               <a:rPr lang="en-US" smtClean="0"/>
-              <a:t>5/17/2015</a:t>
+              <a:t>5/18/2015</a:t>
             </a:fld>
             <a:endParaRPr lang="en-US"/>
           </a:p>
@@ -1059,7 +1061,7 @@
           <a:p>
             <a:fld id="{E25D1272-17F1-4DBE-B86C-B1353AEF23A3}" type="slidenum">
               <a:rPr lang="en-US" smtClean="0"/>
-              <a:t>‹#›</a:t>
+              <a:t>‹Nº›</a:t>
             </a:fld>
             <a:endParaRPr lang="en-US"/>
           </a:p>
@@ -1249,7 +1251,7 @@
           <a:p>
             <a:fld id="{4AFC3576-92DA-4AB5-94AC-978EACD32E6F}" type="datetimeFigureOut">
               <a:rPr lang="en-US" smtClean="0"/>
-              <a:t>5/17/2015</a:t>
+              <a:t>5/18/2015</a:t>
             </a:fld>
             <a:endParaRPr lang="en-US"/>
           </a:p>
@@ -1291,7 +1293,7 @@
           <a:p>
             <a:fld id="{E25D1272-17F1-4DBE-B86C-B1353AEF23A3}" type="slidenum">
               <a:rPr lang="en-US" smtClean="0"/>
-              <a:t>‹#›</a:t>
+              <a:t>‹Nº›</a:t>
             </a:fld>
             <a:endParaRPr lang="en-US"/>
           </a:p>
@@ -1616,7 +1618,7 @@
           <a:p>
             <a:fld id="{4AFC3576-92DA-4AB5-94AC-978EACD32E6F}" type="datetimeFigureOut">
               <a:rPr lang="en-US" smtClean="0"/>
-              <a:t>5/17/2015</a:t>
+              <a:t>5/18/2015</a:t>
             </a:fld>
             <a:endParaRPr lang="en-US"/>
           </a:p>
@@ -1658,7 +1660,7 @@
           <a:p>
             <a:fld id="{E25D1272-17F1-4DBE-B86C-B1353AEF23A3}" type="slidenum">
               <a:rPr lang="en-US" smtClean="0"/>
-              <a:t>‹#›</a:t>
+              <a:t>‹Nº›</a:t>
             </a:fld>
             <a:endParaRPr lang="en-US"/>
           </a:p>
@@ -1734,7 +1736,7 @@
           <a:p>
             <a:fld id="{4AFC3576-92DA-4AB5-94AC-978EACD32E6F}" type="datetimeFigureOut">
               <a:rPr lang="en-US" smtClean="0"/>
-              <a:t>5/17/2015</a:t>
+              <a:t>5/18/2015</a:t>
             </a:fld>
             <a:endParaRPr lang="en-US"/>
           </a:p>
@@ -1776,7 +1778,7 @@
           <a:p>
             <a:fld id="{E25D1272-17F1-4DBE-B86C-B1353AEF23A3}" type="slidenum">
               <a:rPr lang="en-US" smtClean="0"/>
-              <a:t>‹#›</a:t>
+              <a:t>‹Nº›</a:t>
             </a:fld>
             <a:endParaRPr lang="en-US"/>
           </a:p>
@@ -1829,7 +1831,7 @@
           <a:p>
             <a:fld id="{4AFC3576-92DA-4AB5-94AC-978EACD32E6F}" type="datetimeFigureOut">
               <a:rPr lang="en-US" smtClean="0"/>
-              <a:t>5/17/2015</a:t>
+              <a:t>5/18/2015</a:t>
             </a:fld>
             <a:endParaRPr lang="en-US"/>
           </a:p>
@@ -1871,7 +1873,7 @@
           <a:p>
             <a:fld id="{E25D1272-17F1-4DBE-B86C-B1353AEF23A3}" type="slidenum">
               <a:rPr lang="en-US" smtClean="0"/>
-              <a:t>‹#›</a:t>
+              <a:t>‹Nº›</a:t>
             </a:fld>
             <a:endParaRPr lang="en-US"/>
           </a:p>
@@ -2106,7 +2108,7 @@
           <a:p>
             <a:fld id="{4AFC3576-92DA-4AB5-94AC-978EACD32E6F}" type="datetimeFigureOut">
               <a:rPr lang="en-US" smtClean="0"/>
-              <a:t>5/17/2015</a:t>
+              <a:t>5/18/2015</a:t>
             </a:fld>
             <a:endParaRPr lang="en-US"/>
           </a:p>
@@ -2148,7 +2150,7 @@
           <a:p>
             <a:fld id="{E25D1272-17F1-4DBE-B86C-B1353AEF23A3}" type="slidenum">
               <a:rPr lang="en-US" smtClean="0"/>
-              <a:t>‹#›</a:t>
+              <a:t>‹Nº›</a:t>
             </a:fld>
             <a:endParaRPr lang="en-US"/>
           </a:p>
@@ -2359,7 +2361,7 @@
           <a:p>
             <a:fld id="{4AFC3576-92DA-4AB5-94AC-978EACD32E6F}" type="datetimeFigureOut">
               <a:rPr lang="en-US" smtClean="0"/>
-              <a:t>5/17/2015</a:t>
+              <a:t>5/18/2015</a:t>
             </a:fld>
             <a:endParaRPr lang="en-US"/>
           </a:p>
@@ -2401,7 +2403,7 @@
           <a:p>
             <a:fld id="{E25D1272-17F1-4DBE-B86C-B1353AEF23A3}" type="slidenum">
               <a:rPr lang="en-US" smtClean="0"/>
-              <a:t>‹#›</a:t>
+              <a:t>‹Nº›</a:t>
             </a:fld>
             <a:endParaRPr lang="en-US"/>
           </a:p>
@@ -2572,7 +2574,7 @@
           <a:p>
             <a:fld id="{4AFC3576-92DA-4AB5-94AC-978EACD32E6F}" type="datetimeFigureOut">
               <a:rPr lang="en-US" smtClean="0"/>
-              <a:t>5/17/2015</a:t>
+              <a:t>5/18/2015</a:t>
             </a:fld>
             <a:endParaRPr lang="en-US"/>
           </a:p>
@@ -2650,7 +2652,7 @@
           <a:p>
             <a:fld id="{E25D1272-17F1-4DBE-B86C-B1353AEF23A3}" type="slidenum">
               <a:rPr lang="en-US" smtClean="0"/>
-              <a:t>‹#›</a:t>
+              <a:t>‹Nº›</a:t>
             </a:fld>
             <a:endParaRPr lang="en-US"/>
           </a:p>
@@ -3149,6 +3151,238 @@
 </p:sld>
 </file>
 
+<file path=ppt/slides/slide10.xml><?xml version="1.0" encoding="utf-8"?>
+<p:sld xmlns:a="http://schemas.openxmlformats.org/drawingml/2006/main" xmlns:r="http://schemas.openxmlformats.org/officeDocument/2006/relationships" xmlns:p="http://schemas.openxmlformats.org/presentationml/2006/main">
+  <p:cSld>
+    <p:spTree>
+      <p:nvGrpSpPr>
+        <p:cNvPr id="1" name=""/>
+        <p:cNvGrpSpPr/>
+        <p:nvPr/>
+      </p:nvGrpSpPr>
+      <p:grpSpPr>
+        <a:xfrm>
+          <a:off x="0" y="0"/>
+          <a:ext cx="0" cy="0"/>
+          <a:chOff x="0" y="0"/>
+          <a:chExt cx="0" cy="0"/>
+        </a:xfrm>
+      </p:grpSpPr>
+      <p:sp>
+        <p:nvSpPr>
+          <p:cNvPr id="2" name="Title 1"/>
+          <p:cNvSpPr>
+            <a:spLocks noGrp="1"/>
+          </p:cNvSpPr>
+          <p:nvPr>
+            <p:ph type="title"/>
+          </p:nvPr>
+        </p:nvSpPr>
+        <p:spPr/>
+        <p:txBody>
+          <a:bodyPr/>
+          <a:lstStyle/>
+          <a:p>
+            <a:r>
+              <a:rPr lang="en-US" dirty="0" smtClean="0">
+                <a:solidFill>
+                  <a:srgbClr val="009999"/>
+                </a:solidFill>
+              </a:rPr>
+              <a:t>Inheritance</a:t>
+            </a:r>
+            <a:endParaRPr lang="en-US" dirty="0">
+              <a:solidFill>
+                <a:srgbClr val="009999"/>
+              </a:solidFill>
+            </a:endParaRPr>
+          </a:p>
+        </p:txBody>
+      </p:sp>
+      <p:pic>
+        <p:nvPicPr>
+          <p:cNvPr id="4" name="Picture 3"/>
+          <p:cNvPicPr>
+            <a:picLocks noChangeAspect="1"/>
+          </p:cNvPicPr>
+          <p:nvPr/>
+        </p:nvPicPr>
+        <p:blipFill>
+          <a:blip r:embed="rId2"/>
+          <a:stretch>
+            <a:fillRect/>
+          </a:stretch>
+        </p:blipFill>
+        <p:spPr>
+          <a:xfrm>
+            <a:off x="1670080" y="2003276"/>
+            <a:ext cx="6800850" cy="3962400"/>
+          </a:xfrm>
+          <a:prstGeom prst="rect">
+            <a:avLst/>
+          </a:prstGeom>
+        </p:spPr>
+      </p:pic>
+    </p:spTree>
+    <p:extLst>
+      <p:ext uri="{BB962C8B-B14F-4D97-AF65-F5344CB8AC3E}">
+        <p14:creationId xmlns:p14="http://schemas.microsoft.com/office/powerpoint/2010/main" val="1406909614"/>
+      </p:ext>
+    </p:extLst>
+  </p:cSld>
+  <p:clrMapOvr>
+    <a:masterClrMapping/>
+  </p:clrMapOvr>
+  <p:timing>
+    <p:tnLst>
+      <p:par>
+        <p:cTn id="1" dur="indefinite" restart="never" nodeType="tmRoot"/>
+      </p:par>
+    </p:tnLst>
+  </p:timing>
+</p:sld>
+</file>
+
+<file path=ppt/slides/slide11.xml><?xml version="1.0" encoding="utf-8"?>
+<p:sld xmlns:a="http://schemas.openxmlformats.org/drawingml/2006/main" xmlns:r="http://schemas.openxmlformats.org/officeDocument/2006/relationships" xmlns:p="http://schemas.openxmlformats.org/presentationml/2006/main">
+  <p:cSld>
+    <p:spTree>
+      <p:nvGrpSpPr>
+        <p:cNvPr id="1" name=""/>
+        <p:cNvGrpSpPr/>
+        <p:nvPr/>
+      </p:nvGrpSpPr>
+      <p:grpSpPr>
+        <a:xfrm>
+          <a:off x="0" y="0"/>
+          <a:ext cx="0" cy="0"/>
+          <a:chOff x="0" y="0"/>
+          <a:chExt cx="0" cy="0"/>
+        </a:xfrm>
+      </p:grpSpPr>
+      <p:sp>
+        <p:nvSpPr>
+          <p:cNvPr id="2" name="Title 1"/>
+          <p:cNvSpPr>
+            <a:spLocks noGrp="1"/>
+          </p:cNvSpPr>
+          <p:nvPr>
+            <p:ph type="title"/>
+          </p:nvPr>
+        </p:nvSpPr>
+        <p:spPr/>
+        <p:txBody>
+          <a:bodyPr/>
+          <a:lstStyle/>
+          <a:p>
+            <a:r>
+              <a:rPr lang="en-US" dirty="0" err="1" smtClean="0">
+                <a:solidFill>
+                  <a:srgbClr val="009999"/>
+                </a:solidFill>
+              </a:rPr>
+              <a:t>Bibliografía</a:t>
+            </a:r>
+            <a:endParaRPr lang="en-US" dirty="0">
+              <a:solidFill>
+                <a:srgbClr val="009999"/>
+              </a:solidFill>
+            </a:endParaRPr>
+          </a:p>
+        </p:txBody>
+      </p:sp>
+      <p:sp>
+        <p:nvSpPr>
+          <p:cNvPr id="3" name="Content Placeholder 2"/>
+          <p:cNvSpPr>
+            <a:spLocks noGrp="1"/>
+          </p:cNvSpPr>
+          <p:nvPr>
+            <p:ph idx="1"/>
+          </p:nvPr>
+        </p:nvSpPr>
+        <p:spPr/>
+        <p:txBody>
+          <a:bodyPr/>
+          <a:lstStyle/>
+          <a:p>
+            <a:r>
+              <a:rPr lang="en-US" dirty="0" smtClean="0">
+                <a:hlinkClick r:id="rId2"/>
+              </a:rPr>
+              <a:t>Main page Sass –  http</a:t>
+            </a:r>
+            <a:r>
+              <a:rPr lang="en-US" dirty="0">
+                <a:hlinkClick r:id="rId2"/>
+              </a:rPr>
+              <a:t>://sass-lang.com</a:t>
+            </a:r>
+            <a:r>
+              <a:rPr lang="en-US" dirty="0" smtClean="0">
+                <a:hlinkClick r:id="rId2"/>
+              </a:rPr>
+              <a:t>/</a:t>
+            </a:r>
+            <a:endParaRPr lang="en-US" dirty="0" smtClean="0"/>
+          </a:p>
+          <a:p>
+            <a:endParaRPr lang="en-US" dirty="0"/>
+          </a:p>
+          <a:p>
+            <a:r>
+              <a:rPr lang="en-US" dirty="0">
+                <a:hlinkClick r:id="rId3"/>
+              </a:rPr>
+              <a:t>http://es.wikipedia.org/wiki/Sass_%</a:t>
+            </a:r>
+            <a:r>
+              <a:rPr lang="en-US" dirty="0" smtClean="0">
+                <a:hlinkClick r:id="rId3"/>
+              </a:rPr>
+              <a:t>28lenguaje_de_hojas_de_estilo%29#Herencia_de_selectores</a:t>
+            </a:r>
+            <a:endParaRPr lang="en-US" dirty="0" smtClean="0"/>
+          </a:p>
+          <a:p>
+            <a:endParaRPr lang="en-US" dirty="0"/>
+          </a:p>
+          <a:p>
+            <a:r>
+              <a:rPr lang="en-US" dirty="0">
+                <a:hlinkClick r:id="rId4"/>
+              </a:rPr>
+              <a:t>https://</a:t>
+            </a:r>
+            <a:r>
+              <a:rPr lang="en-US" dirty="0" smtClean="0">
+                <a:hlinkClick r:id="rId4"/>
+              </a:rPr>
+              <a:t>www.youtube.com/watch?v=pw1DeLy2Xsw</a:t>
+            </a:r>
+            <a:endParaRPr lang="en-US" dirty="0" smtClean="0"/>
+          </a:p>
+          <a:p>
+            <a:endParaRPr lang="en-US" dirty="0"/>
+          </a:p>
+          <a:p>
+            <a:endParaRPr lang="en-US" dirty="0"/>
+          </a:p>
+        </p:txBody>
+      </p:sp>
+    </p:spTree>
+    <p:extLst>
+      <p:ext uri="{BB962C8B-B14F-4D97-AF65-F5344CB8AC3E}">
+        <p14:creationId xmlns:p14="http://schemas.microsoft.com/office/powerpoint/2010/main" val="3150065448"/>
+      </p:ext>
+    </p:extLst>
+  </p:cSld>
+  <p:clrMapOvr>
+    <a:masterClrMapping/>
+  </p:clrMapOvr>
+</p:sld>
+</file>
+
 <file path=ppt/slides/slide2.xml><?xml version="1.0" encoding="utf-8"?>
 <p:sld xmlns:a="http://schemas.openxmlformats.org/drawingml/2006/main" xmlns:r="http://schemas.openxmlformats.org/officeDocument/2006/relationships" xmlns:p="http://schemas.openxmlformats.org/presentationml/2006/main">
   <p:cSld>
@@ -3243,6 +3477,72 @@
         <p:txBody>
           <a:bodyPr/>
           <a:lstStyle/>
+          <a:p>
+            <a:r>
+              <a:rPr lang="es-MX" b="1" dirty="0"/>
+              <a:t>SASS  (</a:t>
+            </a:r>
+            <a:r>
+              <a:rPr lang="es-MX" b="1" dirty="0" err="1"/>
+              <a:t>Syntactically</a:t>
+            </a:r>
+            <a:r>
+              <a:rPr lang="es-MX" b="1" dirty="0"/>
+              <a:t> </a:t>
+            </a:r>
+            <a:r>
+              <a:rPr lang="es-MX" b="1" dirty="0" err="1"/>
+              <a:t>Awesome</a:t>
+            </a:r>
+            <a:r>
+              <a:rPr lang="es-MX" b="1" dirty="0"/>
+              <a:t> </a:t>
+            </a:r>
+            <a:r>
+              <a:rPr lang="es-MX" b="1" dirty="0" err="1"/>
+              <a:t>StyleSheets</a:t>
+            </a:r>
+            <a:r>
+              <a:rPr lang="es-MX" b="1" dirty="0"/>
+              <a:t>)</a:t>
+            </a:r>
+            <a:r>
+              <a:rPr lang="es-MX" dirty="0"/>
+              <a:t> es una herramienta externa a tu aplicación WEB que nos permitirá disfrutar de las </a:t>
+            </a:r>
+            <a:r>
+              <a:rPr lang="es-MX" dirty="0" err="1"/>
+              <a:t>CSS’s</a:t>
+            </a:r>
+            <a:r>
+              <a:rPr lang="es-MX" dirty="0"/>
+              <a:t> extendidas con las que siempre hemos soñado, añadiendo anidamiento de elementos, variables, extensión de selectores y muchas cosas más. </a:t>
+            </a:r>
+          </a:p>
+          <a:p>
+            <a:pPr marL="0" indent="0">
+              <a:buNone/>
+            </a:pPr>
+            <a:endParaRPr lang="es-MX" dirty="0"/>
+          </a:p>
+          <a:p>
+            <a:r>
+              <a:rPr lang="es-MX" dirty="0" err="1" smtClean="0"/>
+              <a:t>Sass</a:t>
+            </a:r>
+            <a:r>
+              <a:rPr lang="es-MX" dirty="0"/>
+              <a:t> es un meta-lenguaje para escribir </a:t>
+            </a:r>
+            <a:r>
+              <a:rPr lang="es-MX" b="1" dirty="0"/>
+              <a:t>CSS </a:t>
+            </a:r>
+            <a:r>
+              <a:rPr lang="es-MX" dirty="0"/>
+              <a:t>que se utiliza para describir el estilo de un documento de manera limpia y estructural.</a:t>
+            </a:r>
+          </a:p>
           <a:p>
             <a:endParaRPr lang="en-US" dirty="0"/>
           </a:p>
@@ -3295,18 +3595,31 @@
             <p:ph type="title"/>
           </p:nvPr>
         </p:nvSpPr>
-        <p:spPr/>
-        <p:txBody>
-          <a:bodyPr/>
-          <a:lstStyle/>
-          <a:p>
+        <p:spPr>
+          <a:xfrm>
+            <a:off x="335924" y="0"/>
+            <a:ext cx="10515600" cy="901521"/>
+          </a:xfrm>
+        </p:spPr>
+        <p:txBody>
+          <a:bodyPr/>
+          <a:lstStyle/>
+          <a:p>
+            <a:r>
+              <a:rPr lang="en-US" dirty="0" err="1" smtClean="0">
+                <a:solidFill>
+                  <a:srgbClr val="009999"/>
+                </a:solidFill>
+              </a:rPr>
+              <a:t>Algunos</a:t>
+            </a:r>
             <a:r>
               <a:rPr lang="en-US" dirty="0" smtClean="0">
                 <a:solidFill>
                   <a:srgbClr val="009999"/>
                 </a:solidFill>
               </a:rPr>
-              <a:t>¿Como se </a:t>
+              <a:t> </a:t>
             </a:r>
             <a:r>
               <a:rPr lang="en-US" dirty="0" err="1" smtClean="0">
@@ -3314,15 +3627,7 @@
                   <a:srgbClr val="009999"/>
                 </a:solidFill>
               </a:rPr>
-              <a:t>incorpora</a:t>
-            </a:r>
-            <a:r>
-              <a:rPr lang="en-US" dirty="0" smtClean="0">
-                <a:solidFill>
-                  <a:srgbClr val="009999"/>
-                </a:solidFill>
-              </a:rPr>
-              <a:t>?</a:t>
+              <a:t>ejemplos</a:t>
             </a:r>
             <a:endParaRPr lang="en-US" dirty="0">
               <a:solidFill>
@@ -3342,266 +3647,95 @@
             <p:ph idx="1"/>
           </p:nvPr>
         </p:nvSpPr>
-        <p:spPr/>
-        <p:txBody>
-          <a:bodyPr/>
-          <a:lstStyle/>
-          <a:p>
+        <p:spPr>
+          <a:xfrm>
+            <a:off x="799563" y="901521"/>
+            <a:ext cx="10515600" cy="5082259"/>
+          </a:xfrm>
+        </p:spPr>
+        <p:txBody>
+          <a:bodyPr/>
+          <a:lstStyle/>
+          <a:p>
+            <a:pPr marL="0" indent="0">
+              <a:buNone/>
+            </a:pPr>
+            <a:r>
+              <a:rPr lang="en-US" dirty="0" smtClean="0"/>
+              <a:t>Variables						</a:t>
+            </a:r>
             <a:r>
               <a:rPr lang="en-US" dirty="0" err="1" smtClean="0"/>
-              <a:t>Requerimientos</a:t>
-            </a:r>
-            <a:r>
-              <a:rPr lang="en-US" dirty="0" smtClean="0"/>
-              <a:t> de software: Ruby – Sass – </a:t>
-            </a:r>
-            <a:r>
-              <a:rPr lang="en-US" dirty="0" err="1" smtClean="0"/>
-              <a:t>Compilador</a:t>
-            </a:r>
-            <a:r>
-              <a:rPr lang="en-US" dirty="0" smtClean="0"/>
-              <a:t> (Koala) – Editor de </a:t>
-            </a:r>
-            <a:r>
-              <a:rPr lang="en-US" dirty="0" err="1" smtClean="0"/>
-              <a:t>texto</a:t>
-            </a:r>
-            <a:endParaRPr lang="en-US" dirty="0" smtClean="0"/>
-          </a:p>
-          <a:p>
-            <a:r>
-              <a:rPr lang="en-US" dirty="0" err="1" smtClean="0"/>
-              <a:t>Instalar</a:t>
-            </a:r>
-            <a:r>
-              <a:rPr lang="en-US" dirty="0" smtClean="0"/>
-              <a:t> Sass </a:t>
-            </a:r>
-            <a:r>
-              <a:rPr lang="en-US" dirty="0" err="1" smtClean="0"/>
-              <a:t>apartir</a:t>
-            </a:r>
-            <a:r>
-              <a:rPr lang="en-US" dirty="0" smtClean="0"/>
-              <a:t> de la </a:t>
-            </a:r>
-            <a:r>
-              <a:rPr lang="en-US" dirty="0" err="1" smtClean="0"/>
-              <a:t>consola</a:t>
-            </a:r>
-            <a:r>
-              <a:rPr lang="en-US" dirty="0" smtClean="0"/>
-              <a:t> de Ruby, “</a:t>
-            </a:r>
-            <a:r>
-              <a:rPr lang="en-US" b="1" dirty="0" smtClean="0">
-                <a:solidFill>
-                  <a:srgbClr val="009999"/>
-                </a:solidFill>
-              </a:rPr>
-              <a:t>gem install sass</a:t>
-            </a:r>
-            <a:r>
-              <a:rPr lang="en-US" dirty="0" smtClean="0"/>
-              <a:t>”,        “</a:t>
-            </a:r>
-            <a:r>
-              <a:rPr lang="en-US" b="1" dirty="0" smtClean="0">
-                <a:solidFill>
-                  <a:srgbClr val="009999"/>
-                </a:solidFill>
-              </a:rPr>
-              <a:t>sass -v</a:t>
-            </a:r>
-            <a:r>
-              <a:rPr lang="en-US" dirty="0" smtClean="0"/>
-              <a:t>”</a:t>
-            </a:r>
-          </a:p>
-          <a:p>
-            <a:r>
-              <a:rPr lang="en-US" dirty="0" err="1" smtClean="0"/>
-              <a:t>Instalar</a:t>
-            </a:r>
-            <a:r>
-              <a:rPr lang="en-US" dirty="0" smtClean="0"/>
-              <a:t> Koala, </a:t>
-            </a:r>
-            <a:r>
-              <a:rPr lang="en-US" dirty="0" err="1" smtClean="0"/>
-              <a:t>luego</a:t>
-            </a:r>
-            <a:r>
-              <a:rPr lang="en-US" dirty="0" smtClean="0"/>
-              <a:t> </a:t>
-            </a:r>
-            <a:r>
-              <a:rPr lang="en-US" dirty="0" err="1" smtClean="0"/>
-              <a:t>agregar</a:t>
-            </a:r>
-            <a:r>
-              <a:rPr lang="en-US" dirty="0" smtClean="0"/>
-              <a:t> el </a:t>
-            </a:r>
-            <a:r>
-              <a:rPr lang="en-US" dirty="0" smtClean="0">
-                <a:solidFill>
-                  <a:srgbClr val="009999"/>
-                </a:solidFill>
-              </a:rPr>
-              <a:t>.</a:t>
-            </a:r>
-            <a:r>
-              <a:rPr lang="en-US" dirty="0" err="1" smtClean="0">
-                <a:solidFill>
-                  <a:srgbClr val="009999"/>
-                </a:solidFill>
-              </a:rPr>
-              <a:t>scss</a:t>
-            </a:r>
-            <a:r>
-              <a:rPr lang="en-US" dirty="0" smtClean="0">
-                <a:solidFill>
-                  <a:srgbClr val="009999"/>
-                </a:solidFill>
-              </a:rPr>
-              <a:t> </a:t>
-            </a:r>
-            <a:r>
-              <a:rPr lang="en-US" dirty="0" smtClean="0"/>
-              <a:t>y la </a:t>
-            </a:r>
-            <a:r>
-              <a:rPr lang="en-US" dirty="0" err="1" smtClean="0"/>
-              <a:t>carpeta</a:t>
-            </a:r>
-            <a:r>
-              <a:rPr lang="en-US" dirty="0" smtClean="0"/>
-              <a:t> de </a:t>
-            </a:r>
-            <a:r>
-              <a:rPr lang="en-US" dirty="0" err="1" smtClean="0"/>
-              <a:t>destino</a:t>
-            </a:r>
-            <a:r>
-              <a:rPr lang="en-US" dirty="0" smtClean="0"/>
-              <a:t> (</a:t>
-            </a:r>
-            <a:r>
-              <a:rPr lang="en-US" dirty="0" smtClean="0">
-                <a:solidFill>
-                  <a:srgbClr val="009999"/>
-                </a:solidFill>
-              </a:rPr>
-              <a:t>output</a:t>
-            </a:r>
-            <a:r>
-              <a:rPr lang="en-US" dirty="0" smtClean="0"/>
-              <a:t> </a:t>
-            </a:r>
-            <a:r>
-              <a:rPr lang="en-US" dirty="0" err="1" smtClean="0"/>
-              <a:t>resultando</a:t>
-            </a:r>
-            <a:r>
-              <a:rPr lang="en-US" dirty="0" smtClean="0"/>
-              <a:t> </a:t>
-            </a:r>
-            <a:r>
-              <a:rPr lang="en-US" dirty="0" smtClean="0">
-                <a:solidFill>
-                  <a:srgbClr val="009999"/>
-                </a:solidFill>
-              </a:rPr>
-              <a:t>.</a:t>
-            </a:r>
-            <a:r>
-              <a:rPr lang="en-US" dirty="0" err="1" smtClean="0">
-                <a:solidFill>
-                  <a:srgbClr val="009999"/>
-                </a:solidFill>
-              </a:rPr>
-              <a:t>css</a:t>
-            </a:r>
-            <a:r>
-              <a:rPr lang="en-US" dirty="0" smtClean="0"/>
-              <a:t>)</a:t>
-            </a:r>
-          </a:p>
-          <a:p>
-            <a:r>
-              <a:rPr lang="en-US" dirty="0" err="1" smtClean="0"/>
-              <a:t>Comenzar</a:t>
-            </a:r>
-            <a:r>
-              <a:rPr lang="en-US" dirty="0" smtClean="0"/>
-              <a:t> a </a:t>
-            </a:r>
-            <a:r>
-              <a:rPr lang="en-US" dirty="0" err="1" smtClean="0"/>
-              <a:t>utilizar</a:t>
-            </a:r>
-            <a:r>
-              <a:rPr lang="en-US" dirty="0" smtClean="0"/>
-              <a:t> </a:t>
-            </a:r>
-            <a:r>
-              <a:rPr lang="en-US" dirty="0" err="1" smtClean="0"/>
-              <a:t>las</a:t>
-            </a:r>
-            <a:r>
-              <a:rPr lang="en-US" dirty="0" smtClean="0"/>
-              <a:t> </a:t>
-            </a:r>
-            <a:r>
-              <a:rPr lang="en-US" dirty="0" err="1" smtClean="0"/>
-              <a:t>diferentes</a:t>
-            </a:r>
-            <a:r>
-              <a:rPr lang="en-US" dirty="0" smtClean="0"/>
-              <a:t> </a:t>
-            </a:r>
-            <a:r>
-              <a:rPr lang="en-US" dirty="0" err="1" smtClean="0">
-                <a:solidFill>
-                  <a:srgbClr val="CC3399"/>
-                </a:solidFill>
-              </a:rPr>
-              <a:t>características</a:t>
-            </a:r>
-            <a:r>
-              <a:rPr lang="en-US" dirty="0" smtClean="0">
-                <a:solidFill>
-                  <a:srgbClr val="CC3399"/>
-                </a:solidFill>
-              </a:rPr>
-              <a:t> </a:t>
-            </a:r>
-            <a:r>
-              <a:rPr lang="en-US" dirty="0" smtClean="0"/>
-              <a:t>de </a:t>
-            </a:r>
-            <a:r>
-              <a:rPr lang="en-US" dirty="0" smtClean="0">
-                <a:solidFill>
-                  <a:srgbClr val="CC3399"/>
-                </a:solidFill>
-              </a:rPr>
-              <a:t>Sass</a:t>
-            </a:r>
-            <a:endParaRPr lang="en-US" dirty="0">
-              <a:solidFill>
-                <a:srgbClr val="CC3399"/>
-              </a:solidFill>
-            </a:endParaRPr>
-          </a:p>
-        </p:txBody>
-      </p:sp>
+              <a:t>Anidamiento</a:t>
+            </a:r>
+            <a:endParaRPr lang="en-US" dirty="0"/>
+          </a:p>
+        </p:txBody>
+      </p:sp>
+      <p:pic>
+        <p:nvPicPr>
+          <p:cNvPr id="4" name="Imagen 3"/>
+          <p:cNvPicPr>
+            <a:picLocks noChangeAspect="1"/>
+          </p:cNvPicPr>
+          <p:nvPr/>
+        </p:nvPicPr>
+        <p:blipFill>
+          <a:blip r:embed="rId2">
+            <a:extLst>
+              <a:ext uri="{28A0092B-C50C-407E-A947-70E740481C1C}">
+                <a14:useLocalDpi xmlns:a14="http://schemas.microsoft.com/office/drawing/2010/main" val="0"/>
+              </a:ext>
+            </a:extLst>
+          </a:blip>
+          <a:stretch>
+            <a:fillRect/>
+          </a:stretch>
+        </p:blipFill>
+        <p:spPr>
+          <a:xfrm>
+            <a:off x="476519" y="1828800"/>
+            <a:ext cx="3966692" cy="2897746"/>
+          </a:xfrm>
+          <a:prstGeom prst="rect">
+            <a:avLst/>
+          </a:prstGeom>
+        </p:spPr>
+      </p:pic>
+      <p:pic>
+        <p:nvPicPr>
+          <p:cNvPr id="5" name="Imagen 4"/>
+          <p:cNvPicPr>
+            <a:picLocks noChangeAspect="1"/>
+          </p:cNvPicPr>
+          <p:nvPr/>
+        </p:nvPicPr>
+        <p:blipFill>
+          <a:blip r:embed="rId3">
+            <a:extLst>
+              <a:ext uri="{28A0092B-C50C-407E-A947-70E740481C1C}">
+                <a14:useLocalDpi xmlns:a14="http://schemas.microsoft.com/office/drawing/2010/main" val="0"/>
+              </a:ext>
+            </a:extLst>
+          </a:blip>
+          <a:stretch>
+            <a:fillRect/>
+          </a:stretch>
+        </p:blipFill>
+        <p:spPr>
+          <a:xfrm>
+            <a:off x="5615190" y="1390919"/>
+            <a:ext cx="5125790" cy="5467082"/>
+          </a:xfrm>
+          <a:prstGeom prst="rect">
+            <a:avLst/>
+          </a:prstGeom>
+        </p:spPr>
+      </p:pic>
     </p:spTree>
     <p:extLst>
       <p:ext uri="{BB962C8B-B14F-4D97-AF65-F5344CB8AC3E}">
-        <p14:creationId xmlns:p14="http://schemas.microsoft.com/office/powerpoint/2010/main" val="1208392141"/>
+        <p14:creationId xmlns:p14="http://schemas.microsoft.com/office/powerpoint/2010/main" val="3563678182"/>
       </p:ext>
     </p:extLst>
   </p:cSld>
@@ -3645,7 +3779,12 @@
             <p:ph type="title"/>
           </p:nvPr>
         </p:nvSpPr>
-        <p:spPr/>
+        <p:spPr>
+          <a:xfrm>
+            <a:off x="335924" y="0"/>
+            <a:ext cx="10515600" cy="901521"/>
+          </a:xfrm>
+        </p:spPr>
         <p:txBody>
           <a:bodyPr/>
           <a:lstStyle/>
@@ -3692,19 +3831,99 @@
             <p:ph idx="1"/>
           </p:nvPr>
         </p:nvSpPr>
-        <p:spPr/>
-        <p:txBody>
-          <a:bodyPr/>
-          <a:lstStyle/>
-          <a:p>
-            <a:endParaRPr lang="en-US"/>
-          </a:p>
-        </p:txBody>
-      </p:sp>
+        <p:spPr>
+          <a:xfrm>
+            <a:off x="799563" y="901521"/>
+            <a:ext cx="10515600" cy="5082259"/>
+          </a:xfrm>
+        </p:spPr>
+        <p:txBody>
+          <a:bodyPr/>
+          <a:lstStyle/>
+          <a:p>
+            <a:pPr marL="0" indent="0">
+              <a:buNone/>
+            </a:pPr>
+            <a:r>
+              <a:rPr lang="en-US" dirty="0" err="1" smtClean="0"/>
+              <a:t>Funciones</a:t>
+            </a:r>
+            <a:r>
+              <a:rPr lang="en-US" dirty="0" smtClean="0"/>
+              <a:t>						</a:t>
+            </a:r>
+            <a:r>
+              <a:rPr lang="en-US" dirty="0" err="1" smtClean="0"/>
+              <a:t>Herencia</a:t>
+            </a:r>
+            <a:endParaRPr lang="en-US" dirty="0"/>
+          </a:p>
+        </p:txBody>
+      </p:sp>
+      <p:pic>
+        <p:nvPicPr>
+          <p:cNvPr id="6" name="Imagen 5"/>
+          <p:cNvPicPr>
+            <a:picLocks noChangeAspect="1"/>
+          </p:cNvPicPr>
+          <p:nvPr/>
+        </p:nvPicPr>
+        <p:blipFill>
+          <a:blip r:embed="rId2">
+            <a:extLst>
+              <a:ext uri="{28A0092B-C50C-407E-A947-70E740481C1C}">
+                <a14:useLocalDpi xmlns:a14="http://schemas.microsoft.com/office/drawing/2010/main" val="0"/>
+              </a:ext>
+            </a:extLst>
+          </a:blip>
+          <a:stretch>
+            <a:fillRect/>
+          </a:stretch>
+        </p:blipFill>
+        <p:spPr>
+          <a:xfrm>
+            <a:off x="180304" y="1429555"/>
+            <a:ext cx="5215943" cy="5241701"/>
+          </a:xfrm>
+          <a:prstGeom prst="rect">
+            <a:avLst/>
+          </a:prstGeom>
+        </p:spPr>
+      </p:pic>
+      <p:pic>
+        <p:nvPicPr>
+          <p:cNvPr id="7" name="Imagen 6"/>
+          <p:cNvPicPr>
+            <a:picLocks noChangeAspect="1"/>
+          </p:cNvPicPr>
+          <p:nvPr/>
+        </p:nvPicPr>
+        <p:blipFill>
+          <a:blip r:embed="rId3">
+            <a:extLst>
+              <a:ext uri="{28A0092B-C50C-407E-A947-70E740481C1C}">
+                <a14:useLocalDpi xmlns:a14="http://schemas.microsoft.com/office/drawing/2010/main" val="0"/>
+              </a:ext>
+            </a:extLst>
+          </a:blip>
+          <a:stretch>
+            <a:fillRect/>
+          </a:stretch>
+        </p:blipFill>
+        <p:spPr>
+          <a:xfrm>
+            <a:off x="5629140" y="1803042"/>
+            <a:ext cx="6407239" cy="3013988"/>
+          </a:xfrm>
+          <a:prstGeom prst="rect">
+            <a:avLst/>
+          </a:prstGeom>
+        </p:spPr>
+      </p:pic>
     </p:spTree>
     <p:extLst>
       <p:ext uri="{BB962C8B-B14F-4D97-AF65-F5344CB8AC3E}">
-        <p14:creationId xmlns:p14="http://schemas.microsoft.com/office/powerpoint/2010/main" val="3563678182"/>
+        <p14:creationId xmlns:p14="http://schemas.microsoft.com/office/powerpoint/2010/main" val="3557054076"/>
       </p:ext>
     </p:extLst>
   </p:cSld>
@@ -3754,6 +3973,706 @@
           <a:lstStyle/>
           <a:p>
             <a:r>
+              <a:rPr lang="en-US" dirty="0" smtClean="0">
+                <a:solidFill>
+                  <a:srgbClr val="009999"/>
+                </a:solidFill>
+              </a:rPr>
+              <a:t>¿Como se </a:t>
+            </a:r>
+            <a:r>
+              <a:rPr lang="en-US" dirty="0" err="1" smtClean="0">
+                <a:solidFill>
+                  <a:srgbClr val="009999"/>
+                </a:solidFill>
+              </a:rPr>
+              <a:t>incorpora</a:t>
+            </a:r>
+            <a:r>
+              <a:rPr lang="en-US" dirty="0" smtClean="0">
+                <a:solidFill>
+                  <a:srgbClr val="009999"/>
+                </a:solidFill>
+              </a:rPr>
+              <a:t>?</a:t>
+            </a:r>
+            <a:endParaRPr lang="en-US" dirty="0">
+              <a:solidFill>
+                <a:srgbClr val="009999"/>
+              </a:solidFill>
+            </a:endParaRPr>
+          </a:p>
+        </p:txBody>
+      </p:sp>
+      <p:sp>
+        <p:nvSpPr>
+          <p:cNvPr id="3" name="Content Placeholder 2"/>
+          <p:cNvSpPr>
+            <a:spLocks noGrp="1"/>
+          </p:cNvSpPr>
+          <p:nvPr>
+            <p:ph idx="1"/>
+          </p:nvPr>
+        </p:nvSpPr>
+        <p:spPr/>
+        <p:txBody>
+          <a:bodyPr/>
+          <a:lstStyle/>
+          <a:p>
+            <a:r>
+              <a:rPr lang="en-US" dirty="0" err="1" smtClean="0"/>
+              <a:t>Requerimientos</a:t>
+            </a:r>
+            <a:r>
+              <a:rPr lang="en-US" dirty="0" smtClean="0"/>
+              <a:t> de software: Ruby – Sass – </a:t>
+            </a:r>
+            <a:r>
+              <a:rPr lang="en-US" dirty="0" err="1" smtClean="0"/>
+              <a:t>Compilador</a:t>
+            </a:r>
+            <a:r>
+              <a:rPr lang="en-US" dirty="0" smtClean="0"/>
+              <a:t> (Koala) – Editor de </a:t>
+            </a:r>
+            <a:r>
+              <a:rPr lang="en-US" dirty="0" err="1" smtClean="0"/>
+              <a:t>texto</a:t>
+            </a:r>
+            <a:endParaRPr lang="en-US" dirty="0" smtClean="0"/>
+          </a:p>
+          <a:p>
+            <a:r>
+              <a:rPr lang="en-US" dirty="0" err="1" smtClean="0"/>
+              <a:t>Instalar</a:t>
+            </a:r>
+            <a:r>
+              <a:rPr lang="en-US" dirty="0" smtClean="0"/>
+              <a:t> Sass </a:t>
+            </a:r>
+            <a:r>
+              <a:rPr lang="en-US" dirty="0" err="1" smtClean="0"/>
+              <a:t>apartir</a:t>
+            </a:r>
+            <a:r>
+              <a:rPr lang="en-US" dirty="0" smtClean="0"/>
+              <a:t> de la </a:t>
+            </a:r>
+            <a:r>
+              <a:rPr lang="en-US" dirty="0" err="1" smtClean="0"/>
+              <a:t>consola</a:t>
+            </a:r>
+            <a:r>
+              <a:rPr lang="en-US" dirty="0" smtClean="0"/>
+              <a:t> de Ruby, “</a:t>
+            </a:r>
+            <a:r>
+              <a:rPr lang="en-US" b="1" dirty="0" smtClean="0">
+                <a:solidFill>
+                  <a:srgbClr val="009999"/>
+                </a:solidFill>
+              </a:rPr>
+              <a:t>gem install sass</a:t>
+            </a:r>
+            <a:r>
+              <a:rPr lang="en-US" dirty="0" smtClean="0"/>
+              <a:t>”,        “</a:t>
+            </a:r>
+            <a:r>
+              <a:rPr lang="en-US" b="1" dirty="0" smtClean="0">
+                <a:solidFill>
+                  <a:srgbClr val="009999"/>
+                </a:solidFill>
+              </a:rPr>
+              <a:t>sass -v</a:t>
+            </a:r>
+            <a:r>
+              <a:rPr lang="en-US" dirty="0" smtClean="0"/>
+              <a:t>”</a:t>
+            </a:r>
+          </a:p>
+          <a:p>
+            <a:r>
+              <a:rPr lang="en-US" dirty="0" err="1" smtClean="0"/>
+              <a:t>Instalar</a:t>
+            </a:r>
+            <a:r>
+              <a:rPr lang="en-US" dirty="0" smtClean="0"/>
+              <a:t> Koala, </a:t>
+            </a:r>
+            <a:r>
+              <a:rPr lang="en-US" dirty="0" err="1" smtClean="0"/>
+              <a:t>luego</a:t>
+            </a:r>
+            <a:r>
+              <a:rPr lang="en-US" dirty="0" smtClean="0"/>
+              <a:t> </a:t>
+            </a:r>
+            <a:r>
+              <a:rPr lang="en-US" dirty="0" err="1" smtClean="0"/>
+              <a:t>agregar</a:t>
+            </a:r>
+            <a:r>
+              <a:rPr lang="en-US" dirty="0" smtClean="0"/>
+              <a:t> el </a:t>
+            </a:r>
+            <a:r>
+              <a:rPr lang="en-US" dirty="0" smtClean="0">
+                <a:solidFill>
+                  <a:srgbClr val="009999"/>
+                </a:solidFill>
+              </a:rPr>
+              <a:t>.</a:t>
+            </a:r>
+            <a:r>
+              <a:rPr lang="en-US" dirty="0" err="1" smtClean="0">
+                <a:solidFill>
+                  <a:srgbClr val="009999"/>
+                </a:solidFill>
+              </a:rPr>
+              <a:t>scss</a:t>
+            </a:r>
+            <a:r>
+              <a:rPr lang="en-US" dirty="0" smtClean="0">
+                <a:solidFill>
+                  <a:srgbClr val="009999"/>
+                </a:solidFill>
+              </a:rPr>
+              <a:t> </a:t>
+            </a:r>
+            <a:r>
+              <a:rPr lang="en-US" dirty="0" smtClean="0"/>
+              <a:t>y la </a:t>
+            </a:r>
+            <a:r>
+              <a:rPr lang="en-US" dirty="0" err="1" smtClean="0"/>
+              <a:t>carpeta</a:t>
+            </a:r>
+            <a:r>
+              <a:rPr lang="en-US" dirty="0" smtClean="0"/>
+              <a:t> de </a:t>
+            </a:r>
+            <a:r>
+              <a:rPr lang="en-US" dirty="0" err="1" smtClean="0"/>
+              <a:t>destino</a:t>
+            </a:r>
+            <a:r>
+              <a:rPr lang="en-US" dirty="0" smtClean="0"/>
+              <a:t> (</a:t>
+            </a:r>
+            <a:r>
+              <a:rPr lang="en-US" dirty="0" smtClean="0">
+                <a:solidFill>
+                  <a:srgbClr val="009999"/>
+                </a:solidFill>
+              </a:rPr>
+              <a:t>output</a:t>
+            </a:r>
+            <a:r>
+              <a:rPr lang="en-US" dirty="0" smtClean="0"/>
+              <a:t> </a:t>
+            </a:r>
+            <a:r>
+              <a:rPr lang="en-US" dirty="0" err="1" smtClean="0"/>
+              <a:t>resultando</a:t>
+            </a:r>
+            <a:r>
+              <a:rPr lang="en-US" dirty="0" smtClean="0"/>
+              <a:t> </a:t>
+            </a:r>
+            <a:r>
+              <a:rPr lang="en-US" dirty="0" smtClean="0">
+                <a:solidFill>
+                  <a:srgbClr val="009999"/>
+                </a:solidFill>
+              </a:rPr>
+              <a:t>.</a:t>
+            </a:r>
+            <a:r>
+              <a:rPr lang="en-US" dirty="0" err="1" smtClean="0">
+                <a:solidFill>
+                  <a:srgbClr val="009999"/>
+                </a:solidFill>
+              </a:rPr>
+              <a:t>css</a:t>
+            </a:r>
+            <a:r>
+              <a:rPr lang="en-US" dirty="0" smtClean="0"/>
+              <a:t>)</a:t>
+            </a:r>
+          </a:p>
+          <a:p>
+            <a:r>
+              <a:rPr lang="en-US" dirty="0" err="1" smtClean="0"/>
+              <a:t>Comenzar</a:t>
+            </a:r>
+            <a:r>
+              <a:rPr lang="en-US" dirty="0" smtClean="0"/>
+              <a:t> a </a:t>
+            </a:r>
+            <a:r>
+              <a:rPr lang="en-US" dirty="0" err="1" smtClean="0"/>
+              <a:t>utilizar</a:t>
+            </a:r>
+            <a:r>
+              <a:rPr lang="en-US" dirty="0" smtClean="0"/>
+              <a:t> </a:t>
+            </a:r>
+            <a:r>
+              <a:rPr lang="en-US" dirty="0" err="1" smtClean="0"/>
+              <a:t>las</a:t>
+            </a:r>
+            <a:r>
+              <a:rPr lang="en-US" dirty="0" smtClean="0"/>
+              <a:t> </a:t>
+            </a:r>
+            <a:r>
+              <a:rPr lang="en-US" dirty="0" err="1" smtClean="0"/>
+              <a:t>diferentes</a:t>
+            </a:r>
+            <a:r>
+              <a:rPr lang="en-US" dirty="0" smtClean="0"/>
+              <a:t> </a:t>
+            </a:r>
+            <a:r>
+              <a:rPr lang="en-US" dirty="0" err="1" smtClean="0">
+                <a:solidFill>
+                  <a:srgbClr val="CC3399"/>
+                </a:solidFill>
+              </a:rPr>
+              <a:t>características</a:t>
+            </a:r>
+            <a:r>
+              <a:rPr lang="en-US" dirty="0" smtClean="0">
+                <a:solidFill>
+                  <a:srgbClr val="CC3399"/>
+                </a:solidFill>
+              </a:rPr>
+              <a:t> </a:t>
+            </a:r>
+            <a:r>
+              <a:rPr lang="en-US" dirty="0" smtClean="0"/>
+              <a:t>de </a:t>
+            </a:r>
+            <a:r>
+              <a:rPr lang="en-US" dirty="0" smtClean="0">
+                <a:solidFill>
+                  <a:srgbClr val="CC3399"/>
+                </a:solidFill>
+              </a:rPr>
+              <a:t>Sass</a:t>
+            </a:r>
+            <a:endParaRPr lang="en-US" dirty="0">
+              <a:solidFill>
+                <a:srgbClr val="CC3399"/>
+              </a:solidFill>
+            </a:endParaRPr>
+          </a:p>
+        </p:txBody>
+      </p:sp>
+    </p:spTree>
+    <p:extLst>
+      <p:ext uri="{BB962C8B-B14F-4D97-AF65-F5344CB8AC3E}">
+        <p14:creationId xmlns:p14="http://schemas.microsoft.com/office/powerpoint/2010/main" val="1208392141"/>
+      </p:ext>
+    </p:extLst>
+  </p:cSld>
+  <p:clrMapOvr>
+    <a:masterClrMapping/>
+  </p:clrMapOvr>
+  <p:timing>
+    <p:tnLst>
+      <p:par>
+        <p:cTn id="1" dur="indefinite" restart="never" nodeType="tmRoot"/>
+      </p:par>
+    </p:tnLst>
+  </p:timing>
+</p:sld>
+</file>
+
+<file path=ppt/slides/slide6.xml><?xml version="1.0" encoding="utf-8"?>
+<p:sld xmlns:a="http://schemas.openxmlformats.org/drawingml/2006/main" xmlns:r="http://schemas.openxmlformats.org/officeDocument/2006/relationships" xmlns:p="http://schemas.openxmlformats.org/presentationml/2006/main">
+  <p:cSld>
+    <p:spTree>
+      <p:nvGrpSpPr>
+        <p:cNvPr id="1" name=""/>
+        <p:cNvGrpSpPr/>
+        <p:nvPr/>
+      </p:nvGrpSpPr>
+      <p:grpSpPr>
+        <a:xfrm>
+          <a:off x="0" y="0"/>
+          <a:ext cx="0" cy="0"/>
+          <a:chOff x="0" y="0"/>
+          <a:chExt cx="0" cy="0"/>
+        </a:xfrm>
+      </p:grpSpPr>
+      <p:sp>
+        <p:nvSpPr>
+          <p:cNvPr id="2" name="Title 1"/>
+          <p:cNvSpPr>
+            <a:spLocks noGrp="1"/>
+          </p:cNvSpPr>
+          <p:nvPr>
+            <p:ph type="title"/>
+          </p:nvPr>
+        </p:nvSpPr>
+        <p:spPr/>
+        <p:txBody>
+          <a:bodyPr/>
+          <a:lstStyle/>
+          <a:p>
+            <a:r>
+              <a:rPr lang="en-US" dirty="0" smtClean="0">
+                <a:solidFill>
+                  <a:srgbClr val="009999"/>
+                </a:solidFill>
+              </a:rPr>
+              <a:t>¿Como se </a:t>
+            </a:r>
+            <a:r>
+              <a:rPr lang="en-US" dirty="0" err="1" smtClean="0">
+                <a:solidFill>
+                  <a:srgbClr val="009999"/>
+                </a:solidFill>
+              </a:rPr>
+              <a:t>incorpora</a:t>
+            </a:r>
+            <a:r>
+              <a:rPr lang="en-US" dirty="0" smtClean="0">
+                <a:solidFill>
+                  <a:srgbClr val="009999"/>
+                </a:solidFill>
+              </a:rPr>
+              <a:t>?</a:t>
+            </a:r>
+            <a:endParaRPr lang="en-US" dirty="0">
+              <a:solidFill>
+                <a:srgbClr val="009999"/>
+              </a:solidFill>
+            </a:endParaRPr>
+          </a:p>
+        </p:txBody>
+      </p:sp>
+      <p:sp>
+        <p:nvSpPr>
+          <p:cNvPr id="3" name="Content Placeholder 2"/>
+          <p:cNvSpPr>
+            <a:spLocks noGrp="1"/>
+          </p:cNvSpPr>
+          <p:nvPr>
+            <p:ph idx="1"/>
+          </p:nvPr>
+        </p:nvSpPr>
+        <p:spPr/>
+        <p:txBody>
+          <a:bodyPr/>
+          <a:lstStyle/>
+          <a:p>
+            <a:r>
+              <a:rPr lang="en-US" dirty="0" err="1" smtClean="0"/>
+              <a:t>Requerimientos</a:t>
+            </a:r>
+            <a:r>
+              <a:rPr lang="en-US" dirty="0" smtClean="0"/>
+              <a:t> de software: Ruby – Sass – </a:t>
+            </a:r>
+            <a:r>
+              <a:rPr lang="en-US" dirty="0" err="1" smtClean="0"/>
+              <a:t>Compilador</a:t>
+            </a:r>
+            <a:r>
+              <a:rPr lang="en-US" dirty="0" smtClean="0"/>
+              <a:t> (Koala) – Editor de </a:t>
+            </a:r>
+            <a:r>
+              <a:rPr lang="en-US" dirty="0" err="1" smtClean="0"/>
+              <a:t>texto</a:t>
+            </a:r>
+            <a:endParaRPr lang="en-US" dirty="0" smtClean="0"/>
+          </a:p>
+          <a:p>
+            <a:r>
+              <a:rPr lang="en-US" dirty="0" err="1" smtClean="0"/>
+              <a:t>Instalar</a:t>
+            </a:r>
+            <a:r>
+              <a:rPr lang="en-US" dirty="0" smtClean="0"/>
+              <a:t> Sass </a:t>
+            </a:r>
+            <a:r>
+              <a:rPr lang="en-US" dirty="0" err="1" smtClean="0"/>
+              <a:t>apartir</a:t>
+            </a:r>
+            <a:r>
+              <a:rPr lang="en-US" dirty="0" smtClean="0"/>
+              <a:t> de la </a:t>
+            </a:r>
+            <a:r>
+              <a:rPr lang="en-US" dirty="0" err="1" smtClean="0"/>
+              <a:t>consola</a:t>
+            </a:r>
+            <a:r>
+              <a:rPr lang="en-US" dirty="0" smtClean="0"/>
+              <a:t> de Ruby, “</a:t>
+            </a:r>
+            <a:r>
+              <a:rPr lang="en-US" b="1" dirty="0" smtClean="0">
+                <a:solidFill>
+                  <a:srgbClr val="009999"/>
+                </a:solidFill>
+              </a:rPr>
+              <a:t>gem install sass</a:t>
+            </a:r>
+            <a:r>
+              <a:rPr lang="en-US" dirty="0" smtClean="0"/>
+              <a:t>”,        “</a:t>
+            </a:r>
+            <a:r>
+              <a:rPr lang="en-US" b="1" dirty="0" smtClean="0">
+                <a:solidFill>
+                  <a:srgbClr val="009999"/>
+                </a:solidFill>
+              </a:rPr>
+              <a:t>sass -v</a:t>
+            </a:r>
+            <a:r>
+              <a:rPr lang="en-US" dirty="0" smtClean="0"/>
+              <a:t>”</a:t>
+            </a:r>
+          </a:p>
+          <a:p>
+            <a:r>
+              <a:rPr lang="en-US" dirty="0" err="1" smtClean="0"/>
+              <a:t>Instalar</a:t>
+            </a:r>
+            <a:r>
+              <a:rPr lang="en-US" dirty="0" smtClean="0"/>
+              <a:t> Koala, </a:t>
+            </a:r>
+            <a:r>
+              <a:rPr lang="en-US" dirty="0" err="1" smtClean="0"/>
+              <a:t>luego</a:t>
+            </a:r>
+            <a:r>
+              <a:rPr lang="en-US" dirty="0" smtClean="0"/>
+              <a:t> </a:t>
+            </a:r>
+            <a:r>
+              <a:rPr lang="en-US" dirty="0" err="1" smtClean="0"/>
+              <a:t>agregar</a:t>
+            </a:r>
+            <a:r>
+              <a:rPr lang="en-US" dirty="0" smtClean="0"/>
+              <a:t> el </a:t>
+            </a:r>
+            <a:r>
+              <a:rPr lang="en-US" dirty="0" smtClean="0">
+                <a:solidFill>
+                  <a:srgbClr val="009999"/>
+                </a:solidFill>
+              </a:rPr>
+              <a:t>.</a:t>
+            </a:r>
+            <a:r>
+              <a:rPr lang="en-US" dirty="0" err="1" smtClean="0">
+                <a:solidFill>
+                  <a:srgbClr val="009999"/>
+                </a:solidFill>
+              </a:rPr>
+              <a:t>scss</a:t>
+            </a:r>
+            <a:r>
+              <a:rPr lang="en-US" dirty="0" smtClean="0">
+                <a:solidFill>
+                  <a:srgbClr val="009999"/>
+                </a:solidFill>
+              </a:rPr>
+              <a:t> </a:t>
+            </a:r>
+            <a:r>
+              <a:rPr lang="en-US" dirty="0" smtClean="0"/>
+              <a:t>y la </a:t>
+            </a:r>
+            <a:r>
+              <a:rPr lang="en-US" dirty="0" err="1" smtClean="0"/>
+              <a:t>carpeta</a:t>
+            </a:r>
+            <a:r>
+              <a:rPr lang="en-US" dirty="0" smtClean="0"/>
+              <a:t> de </a:t>
+            </a:r>
+            <a:r>
+              <a:rPr lang="en-US" dirty="0" err="1" smtClean="0"/>
+              <a:t>destino</a:t>
+            </a:r>
+            <a:r>
+              <a:rPr lang="en-US" dirty="0" smtClean="0"/>
+              <a:t> (</a:t>
+            </a:r>
+            <a:r>
+              <a:rPr lang="en-US" dirty="0" smtClean="0">
+                <a:solidFill>
+                  <a:srgbClr val="009999"/>
+                </a:solidFill>
+              </a:rPr>
+              <a:t>output</a:t>
+            </a:r>
+            <a:r>
+              <a:rPr lang="en-US" dirty="0" smtClean="0"/>
+              <a:t> </a:t>
+            </a:r>
+            <a:r>
+              <a:rPr lang="en-US" dirty="0" err="1" smtClean="0"/>
+              <a:t>resultando</a:t>
+            </a:r>
+            <a:r>
+              <a:rPr lang="en-US" dirty="0" smtClean="0"/>
+              <a:t> </a:t>
+            </a:r>
+            <a:r>
+              <a:rPr lang="en-US" dirty="0" smtClean="0">
+                <a:solidFill>
+                  <a:srgbClr val="009999"/>
+                </a:solidFill>
+              </a:rPr>
+              <a:t>.</a:t>
+            </a:r>
+            <a:r>
+              <a:rPr lang="en-US" dirty="0" err="1" smtClean="0">
+                <a:solidFill>
+                  <a:srgbClr val="009999"/>
+                </a:solidFill>
+              </a:rPr>
+              <a:t>css</a:t>
+            </a:r>
+            <a:r>
+              <a:rPr lang="en-US" dirty="0" smtClean="0"/>
+              <a:t>)</a:t>
+            </a:r>
+          </a:p>
+          <a:p>
+            <a:r>
+              <a:rPr lang="en-US" dirty="0" err="1" smtClean="0"/>
+              <a:t>Comenzar</a:t>
+            </a:r>
+            <a:r>
+              <a:rPr lang="en-US" dirty="0" smtClean="0"/>
+              <a:t> a </a:t>
+            </a:r>
+            <a:r>
+              <a:rPr lang="en-US" dirty="0" err="1" smtClean="0"/>
+              <a:t>utilizar</a:t>
+            </a:r>
+            <a:r>
+              <a:rPr lang="en-US" dirty="0" smtClean="0"/>
+              <a:t> </a:t>
+            </a:r>
+            <a:r>
+              <a:rPr lang="en-US" dirty="0" err="1" smtClean="0"/>
+              <a:t>las</a:t>
+            </a:r>
+            <a:r>
+              <a:rPr lang="en-US" dirty="0" smtClean="0"/>
+              <a:t> </a:t>
+            </a:r>
+            <a:r>
+              <a:rPr lang="en-US" dirty="0" err="1" smtClean="0"/>
+              <a:t>diferentes</a:t>
+            </a:r>
+            <a:r>
+              <a:rPr lang="en-US" dirty="0" smtClean="0"/>
+              <a:t> </a:t>
+            </a:r>
+            <a:r>
+              <a:rPr lang="en-US" dirty="0" err="1" smtClean="0">
+                <a:solidFill>
+                  <a:srgbClr val="CC3399"/>
+                </a:solidFill>
+              </a:rPr>
+              <a:t>características</a:t>
+            </a:r>
+            <a:r>
+              <a:rPr lang="en-US" dirty="0" smtClean="0">
+                <a:solidFill>
+                  <a:srgbClr val="CC3399"/>
+                </a:solidFill>
+              </a:rPr>
+              <a:t> </a:t>
+            </a:r>
+            <a:r>
+              <a:rPr lang="en-US" dirty="0" smtClean="0"/>
+              <a:t>de </a:t>
+            </a:r>
+            <a:r>
+              <a:rPr lang="en-US" dirty="0" smtClean="0">
+                <a:solidFill>
+                  <a:srgbClr val="CC3399"/>
+                </a:solidFill>
+              </a:rPr>
+              <a:t>Sass</a:t>
+            </a:r>
+            <a:endParaRPr lang="en-US" dirty="0">
+              <a:solidFill>
+                <a:srgbClr val="CC3399"/>
+              </a:solidFill>
+            </a:endParaRPr>
+          </a:p>
+        </p:txBody>
+      </p:sp>
+    </p:spTree>
+    <p:extLst>
+      <p:ext uri="{BB962C8B-B14F-4D97-AF65-F5344CB8AC3E}">
+        <p14:creationId xmlns:p14="http://schemas.microsoft.com/office/powerpoint/2010/main" val="1331849406"/>
+      </p:ext>
+    </p:extLst>
+  </p:cSld>
+  <p:clrMapOvr>
+    <a:masterClrMapping/>
+  </p:clrMapOvr>
+  <p:timing>
+    <p:tnLst>
+      <p:par>
+        <p:cTn id="1" dur="indefinite" restart="never" nodeType="tmRoot"/>
+      </p:par>
+    </p:tnLst>
+  </p:timing>
+</p:sld>
+</file>
+
+<file path=ppt/slides/slide7.xml><?xml version="1.0" encoding="utf-8"?>
+<p:sld xmlns:a="http://schemas.openxmlformats.org/drawingml/2006/main" xmlns:r="http://schemas.openxmlformats.org/officeDocument/2006/relationships" xmlns:p="http://schemas.openxmlformats.org/presentationml/2006/main">
+  <p:cSld>
+    <p:spTree>
+      <p:nvGrpSpPr>
+        <p:cNvPr id="1" name=""/>
+        <p:cNvGrpSpPr/>
+        <p:nvPr/>
+      </p:nvGrpSpPr>
+      <p:grpSpPr>
+        <a:xfrm>
+          <a:off x="0" y="0"/>
+          <a:ext cx="0" cy="0"/>
+          <a:chOff x="0" y="0"/>
+          <a:chExt cx="0" cy="0"/>
+        </a:xfrm>
+      </p:grpSpPr>
+      <p:sp>
+        <p:nvSpPr>
+          <p:cNvPr id="2" name="Title 1"/>
+          <p:cNvSpPr>
+            <a:spLocks noGrp="1"/>
+          </p:cNvSpPr>
+          <p:nvPr>
+            <p:ph type="title"/>
+          </p:nvPr>
+        </p:nvSpPr>
+        <p:spPr/>
+        <p:txBody>
+          <a:bodyPr/>
+          <a:lstStyle/>
+          <a:p>
+            <a:r>
               <a:rPr lang="en-US" dirty="0" err="1" smtClean="0">
                 <a:solidFill>
                   <a:srgbClr val="009999"/>
@@ -3846,7 +4765,7 @@
 </p:sld>
 </file>
 
-<file path=ppt/slides/slide6.xml><?xml version="1.0" encoding="utf-8"?>
+<file path=ppt/slides/slide8.xml><?xml version="1.0" encoding="utf-8"?>
 <p:sld xmlns:a="http://schemas.openxmlformats.org/drawingml/2006/main" xmlns:r="http://schemas.openxmlformats.org/officeDocument/2006/relationships" xmlns:p="http://schemas.openxmlformats.org/presentationml/2006/main">
   <p:cSld>
     <p:spTree>
@@ -3938,7 +4857,7 @@
 </p:sld>
 </file>
 
-<file path=ppt/slides/slide7.xml><?xml version="1.0" encoding="utf-8"?>
+<file path=ppt/slides/slide9.xml><?xml version="1.0" encoding="utf-8"?>
 <p:sld xmlns:a="http://schemas.openxmlformats.org/drawingml/2006/main" xmlns:r="http://schemas.openxmlformats.org/officeDocument/2006/relationships" xmlns:p="http://schemas.openxmlformats.org/presentationml/2006/main">
   <p:cSld>
     <p:spTree>
@@ -4067,238 +4986,6 @@
       </p:par>
     </p:tnLst>
   </p:timing>
-</p:sld>
-</file>
-
-<file path=ppt/slides/slide8.xml><?xml version="1.0" encoding="utf-8"?>
-<p:sld xmlns:a="http://schemas.openxmlformats.org/drawingml/2006/main" xmlns:r="http://schemas.openxmlformats.org/officeDocument/2006/relationships" xmlns:p="http://schemas.openxmlformats.org/presentationml/2006/main">
-  <p:cSld>
-    <p:spTree>
-      <p:nvGrpSpPr>
-        <p:cNvPr id="1" name=""/>
-        <p:cNvGrpSpPr/>
-        <p:nvPr/>
-      </p:nvGrpSpPr>
-      <p:grpSpPr>
-        <a:xfrm>
-          <a:off x="0" y="0"/>
-          <a:ext cx="0" cy="0"/>
-          <a:chOff x="0" y="0"/>
-          <a:chExt cx="0" cy="0"/>
-        </a:xfrm>
-      </p:grpSpPr>
-      <p:sp>
-        <p:nvSpPr>
-          <p:cNvPr id="2" name="Title 1"/>
-          <p:cNvSpPr>
-            <a:spLocks noGrp="1"/>
-          </p:cNvSpPr>
-          <p:nvPr>
-            <p:ph type="title"/>
-          </p:nvPr>
-        </p:nvSpPr>
-        <p:spPr/>
-        <p:txBody>
-          <a:bodyPr/>
-          <a:lstStyle/>
-          <a:p>
-            <a:r>
-              <a:rPr lang="en-US" dirty="0" smtClean="0">
-                <a:solidFill>
-                  <a:srgbClr val="009999"/>
-                </a:solidFill>
-              </a:rPr>
-              <a:t>Inheritance</a:t>
-            </a:r>
-            <a:endParaRPr lang="en-US" dirty="0">
-              <a:solidFill>
-                <a:srgbClr val="009999"/>
-              </a:solidFill>
-            </a:endParaRPr>
-          </a:p>
-        </p:txBody>
-      </p:sp>
-      <p:pic>
-        <p:nvPicPr>
-          <p:cNvPr id="4" name="Picture 3"/>
-          <p:cNvPicPr>
-            <a:picLocks noChangeAspect="1"/>
-          </p:cNvPicPr>
-          <p:nvPr/>
-        </p:nvPicPr>
-        <p:blipFill>
-          <a:blip r:embed="rId2"/>
-          <a:stretch>
-            <a:fillRect/>
-          </a:stretch>
-        </p:blipFill>
-        <p:spPr>
-          <a:xfrm>
-            <a:off x="1670080" y="2003276"/>
-            <a:ext cx="6800850" cy="3962400"/>
-          </a:xfrm>
-          <a:prstGeom prst="rect">
-            <a:avLst/>
-          </a:prstGeom>
-        </p:spPr>
-      </p:pic>
-    </p:spTree>
-    <p:extLst>
-      <p:ext uri="{BB962C8B-B14F-4D97-AF65-F5344CB8AC3E}">
-        <p14:creationId xmlns:p14="http://schemas.microsoft.com/office/powerpoint/2010/main" val="1406909614"/>
-      </p:ext>
-    </p:extLst>
-  </p:cSld>
-  <p:clrMapOvr>
-    <a:masterClrMapping/>
-  </p:clrMapOvr>
-  <p:timing>
-    <p:tnLst>
-      <p:par>
-        <p:cTn id="1" dur="indefinite" restart="never" nodeType="tmRoot"/>
-      </p:par>
-    </p:tnLst>
-  </p:timing>
-</p:sld>
-</file>
-
-<file path=ppt/slides/slide9.xml><?xml version="1.0" encoding="utf-8"?>
-<p:sld xmlns:a="http://schemas.openxmlformats.org/drawingml/2006/main" xmlns:r="http://schemas.openxmlformats.org/officeDocument/2006/relationships" xmlns:p="http://schemas.openxmlformats.org/presentationml/2006/main">
-  <p:cSld>
-    <p:spTree>
-      <p:nvGrpSpPr>
-        <p:cNvPr id="1" name=""/>
-        <p:cNvGrpSpPr/>
-        <p:nvPr/>
-      </p:nvGrpSpPr>
-      <p:grpSpPr>
-        <a:xfrm>
-          <a:off x="0" y="0"/>
-          <a:ext cx="0" cy="0"/>
-          <a:chOff x="0" y="0"/>
-          <a:chExt cx="0" cy="0"/>
-        </a:xfrm>
-      </p:grpSpPr>
-      <p:sp>
-        <p:nvSpPr>
-          <p:cNvPr id="2" name="Title 1"/>
-          <p:cNvSpPr>
-            <a:spLocks noGrp="1"/>
-          </p:cNvSpPr>
-          <p:nvPr>
-            <p:ph type="title"/>
-          </p:nvPr>
-        </p:nvSpPr>
-        <p:spPr/>
-        <p:txBody>
-          <a:bodyPr/>
-          <a:lstStyle/>
-          <a:p>
-            <a:r>
-              <a:rPr lang="en-US" dirty="0" err="1" smtClean="0">
-                <a:solidFill>
-                  <a:srgbClr val="009999"/>
-                </a:solidFill>
-              </a:rPr>
-              <a:t>Bibliografía</a:t>
-            </a:r>
-            <a:endParaRPr lang="en-US" dirty="0">
-              <a:solidFill>
-                <a:srgbClr val="009999"/>
-              </a:solidFill>
-            </a:endParaRPr>
-          </a:p>
-        </p:txBody>
-      </p:sp>
-      <p:sp>
-        <p:nvSpPr>
-          <p:cNvPr id="3" name="Content Placeholder 2"/>
-          <p:cNvSpPr>
-            <a:spLocks noGrp="1"/>
-          </p:cNvSpPr>
-          <p:nvPr>
-            <p:ph idx="1"/>
-          </p:nvPr>
-        </p:nvSpPr>
-        <p:spPr/>
-        <p:txBody>
-          <a:bodyPr/>
-          <a:lstStyle/>
-          <a:p>
-            <a:r>
-              <a:rPr lang="en-US" dirty="0" smtClean="0">
-                <a:hlinkClick r:id="rId2"/>
-              </a:rPr>
-              <a:t>Main page Sass –  http</a:t>
-            </a:r>
-            <a:r>
-              <a:rPr lang="en-US" dirty="0">
-                <a:hlinkClick r:id="rId2"/>
-              </a:rPr>
-              <a:t>://sass-lang.com</a:t>
-            </a:r>
-            <a:r>
-              <a:rPr lang="en-US" dirty="0" smtClean="0">
-                <a:hlinkClick r:id="rId2"/>
-              </a:rPr>
-              <a:t>/</a:t>
-            </a:r>
-            <a:endParaRPr lang="en-US" dirty="0" smtClean="0"/>
-          </a:p>
-          <a:p>
-            <a:endParaRPr lang="en-US" dirty="0"/>
-          </a:p>
-          <a:p>
-            <a:r>
-              <a:rPr lang="en-US" dirty="0">
-                <a:hlinkClick r:id="rId3"/>
-              </a:rPr>
-              <a:t>http://es.wikipedia.org/wiki/Sass_%</a:t>
-            </a:r>
-            <a:r>
-              <a:rPr lang="en-US" dirty="0" smtClean="0">
-                <a:hlinkClick r:id="rId3"/>
-              </a:rPr>
-              <a:t>28lenguaje_de_hojas_de_estilo%29#Herencia_de_selectores</a:t>
-            </a:r>
-            <a:endParaRPr lang="en-US" dirty="0" smtClean="0"/>
-          </a:p>
-          <a:p>
-            <a:endParaRPr lang="en-US" dirty="0"/>
-          </a:p>
-          <a:p>
-            <a:r>
-              <a:rPr lang="en-US" dirty="0">
-                <a:hlinkClick r:id="rId4"/>
-              </a:rPr>
-              <a:t>https://</a:t>
-            </a:r>
-            <a:r>
-              <a:rPr lang="en-US" dirty="0" smtClean="0">
-                <a:hlinkClick r:id="rId4"/>
-              </a:rPr>
-              <a:t>www.youtube.com/watch?v=pw1DeLy2Xsw</a:t>
-            </a:r>
-            <a:endParaRPr lang="en-US" dirty="0" smtClean="0"/>
-          </a:p>
-          <a:p>
-            <a:endParaRPr lang="en-US" dirty="0"/>
-          </a:p>
-          <a:p>
-            <a:endParaRPr lang="en-US" dirty="0"/>
-          </a:p>
-        </p:txBody>
-      </p:sp>
-    </p:spTree>
-    <p:extLst>
-      <p:ext uri="{BB962C8B-B14F-4D97-AF65-F5344CB8AC3E}">
-        <p14:creationId xmlns:p14="http://schemas.microsoft.com/office/powerpoint/2010/main" val="3150065448"/>
-      </p:ext>
-    </p:extLst>
-  </p:cSld>
-  <p:clrMapOvr>
-    <a:masterClrMapping/>
-  </p:clrMapOvr>
 </p:sld>
 </file>
 
